--- a/Figure-4-7/Figure47/Figure47_fullslide.pptx
+++ b/Figure-4-7/Figure47/Figure47_fullslide.pptx
@@ -529,6 +529,180 @@
             <a:r>
               <a:rPr/>
               <a:t>Subtitle:</a:t>
+            </a:r>
+            <a:r>
+              <a:rPr/>
+              <a:t> </a:t>
+            </a:r>
+            <a:r>
+              <a:rPr/>
+              <a:t>Value</a:t>
+            </a:r>
+            <a:r>
+              <a:rPr/>
+              <a:t> </a:t>
+            </a:r>
+            <a:r>
+              <a:rPr/>
+              <a:t>of</a:t>
+            </a:r>
+            <a:r>
+              <a:rPr/>
+              <a:t> </a:t>
+            </a:r>
+            <a:r>
+              <a:rPr/>
+              <a:t>pre-tax</a:t>
+            </a:r>
+            <a:r>
+              <a:rPr/>
+              <a:t> </a:t>
+            </a:r>
+            <a:r>
+              <a:rPr/>
+              <a:t>voluntary</a:t>
+            </a:r>
+            <a:r>
+              <a:rPr/>
+              <a:t> </a:t>
+            </a:r>
+            <a:r>
+              <a:rPr/>
+              <a:t>contributions</a:t>
+            </a:r>
+            <a:r>
+              <a:rPr/>
+              <a:t> </a:t>
+            </a:r>
+            <a:r>
+              <a:rPr/>
+              <a:t>to</a:t>
+            </a:r>
+            <a:r>
+              <a:rPr/>
+              <a:t> </a:t>
+            </a:r>
+            <a:r>
+              <a:rPr/>
+              <a:t>superannuation</a:t>
+            </a:r>
+            <a:r>
+              <a:rPr/>
+              <a:t> </a:t>
+            </a:r>
+            <a:r>
+              <a:rPr/>
+              <a:t>in</a:t>
+            </a:r>
+            <a:r>
+              <a:rPr/>
+              <a:t> </a:t>
+            </a:r>
+            <a:r>
+              <a:rPr/>
+              <a:t>excess</a:t>
+            </a:r>
+            <a:r>
+              <a:rPr/>
+              <a:t> </a:t>
+            </a:r>
+            <a:r>
+              <a:rPr/>
+              <a:t>of</a:t>
+            </a:r>
+            <a:r>
+              <a:rPr/>
+              <a:t> </a:t>
+            </a:r>
+            <a:r>
+              <a:rPr/>
+              <a:t>$11,000</a:t>
+            </a:r>
+            <a:r>
+              <a:rPr/>
+              <a:t> </a:t>
+            </a:r>
+            <a:r>
+              <a:rPr/>
+              <a:t>in</a:t>
+            </a:r>
+            <a:r>
+              <a:rPr/>
+              <a:t> </a:t>
+            </a:r>
+            <a:r>
+              <a:rPr/>
+              <a:t>a</a:t>
+            </a:r>
+            <a:r>
+              <a:rPr/>
+              <a:t> </a:t>
+            </a:r>
+            <a:r>
+              <a:rPr/>
+              <a:t>year,</a:t>
+            </a:r>
+            <a:r>
+              <a:rPr/>
+              <a:t> </a:t>
+            </a:r>
+            <a:r>
+              <a:rPr/>
+              <a:t>2020-21</a:t>
+            </a:r>
+          </a:p>
+          <a:p>
+            <a:pPr lvl="0" marL="0" indent="0">
+              <a:buNone/>
+            </a:pPr>
+          </a:p>
+          <a:p>
+            <a:pPr lvl="0" marL="0" indent="0">
+              <a:buNone/>
+            </a:pPr>
+            <a:r>
+              <a:rPr/>
+              <a:t>Source:</a:t>
+            </a:r>
+            <a:r>
+              <a:rPr/>
+              <a:t> </a:t>
+            </a:r>
+            <a:r>
+              <a:rPr/>
+              <a:t>ATO</a:t>
+            </a:r>
+            <a:r>
+              <a:rPr/>
+              <a:t> </a:t>
+            </a:r>
+            <a:r>
+              <a:rPr/>
+              <a:t>2017-18</a:t>
+            </a:r>
+            <a:r>
+              <a:rPr/>
+              <a:t> </a:t>
+            </a:r>
+            <a:r>
+              <a:rPr/>
+              <a:t>2%</a:t>
+            </a:r>
+            <a:r>
+              <a:rPr/>
+              <a:t> </a:t>
+            </a:r>
+            <a:r>
+              <a:rPr/>
+              <a:t>sample</a:t>
+            </a:r>
+            <a:r>
+              <a:rPr/>
+              <a:t> </a:t>
+            </a:r>
+            <a:r>
+              <a:rPr/>
+              <a:t>file</a:t>
             </a:r>
           </a:p>
           <a:p>
@@ -3937,7 +4111,7 @@
           <a:p>
             <a:r>
               <a:rPr/>
-              <a:t> </a:t>
+              <a:t/>
             </a:r>
           </a:p>
         </p:txBody>
@@ -3964,7 +4138,8 @@
           <a:p>
             <a:r>
               <a:rPr/>
-              <a:t> </a:t>
+              <a:t>Value of pre-tax voluntary contributions to superannuation in excess of
+$11,000 in a year, 2020-21</a:t>
             </a:r>
           </a:p>
         </p:txBody>
@@ -4026,8 +4201,8 @@
           </p:nvSpPr>
           <p:spPr>
             <a:xfrm>
-              <a:off x="1952547" y="1371747"/>
-              <a:ext cx="5364085" cy="5455914"/>
+              <a:off x="2106200" y="1371747"/>
+              <a:ext cx="5056779" cy="5455914"/>
             </a:xfrm>
             <a:prstGeom prst="rect">
               <a:avLst/>
@@ -4052,8 +4227,8 @@
           </p:nvSpPr>
           <p:spPr>
             <a:xfrm>
-              <a:off x="2011312" y="1463187"/>
-              <a:ext cx="5195592" cy="5195592"/>
+              <a:off x="2164965" y="1463187"/>
+              <a:ext cx="4888285" cy="4888285"/>
             </a:xfrm>
             <a:prstGeom prst="rect">
               <a:avLst/>
@@ -4078,222 +4253,222 @@
           </p:nvSpPr>
           <p:spPr>
             <a:xfrm>
-              <a:off x="4609108" y="1982747"/>
-              <a:ext cx="873833" cy="2078237"/>
+              <a:off x="4609108" y="1952016"/>
+              <a:ext cx="822148" cy="1955314"/>
             </a:xfrm>
             <a:custGeom>
               <a:avLst/>
               <a:pathLst>
-                <a:path w="873833" h="2078237">
+                <a:path w="822148" h="1955314">
                   <a:moveTo>
-                    <a:pt x="0" y="2078237"/>
+                    <a:pt x="0" y="1955314"/>
                   </a:moveTo>
                   <a:lnTo>
-                    <a:pt x="30132" y="2013216"/>
-                  </a:lnTo>
-                  <a:lnTo>
-                    <a:pt x="60264" y="1948195"/>
-                  </a:lnTo>
-                  <a:lnTo>
-                    <a:pt x="90396" y="1883175"/>
-                  </a:lnTo>
-                  <a:lnTo>
-                    <a:pt x="120528" y="1818154"/>
-                  </a:lnTo>
-                  <a:lnTo>
-                    <a:pt x="150660" y="1753133"/>
-                  </a:lnTo>
-                  <a:lnTo>
-                    <a:pt x="180793" y="1688113"/>
-                  </a:lnTo>
-                  <a:lnTo>
-                    <a:pt x="210925" y="1623092"/>
-                  </a:lnTo>
-                  <a:lnTo>
-                    <a:pt x="241057" y="1558071"/>
-                  </a:lnTo>
-                  <a:lnTo>
-                    <a:pt x="271189" y="1493051"/>
-                  </a:lnTo>
-                  <a:lnTo>
-                    <a:pt x="301321" y="1428030"/>
-                  </a:lnTo>
-                  <a:lnTo>
-                    <a:pt x="331454" y="1363009"/>
-                  </a:lnTo>
-                  <a:lnTo>
-                    <a:pt x="361586" y="1297989"/>
-                  </a:lnTo>
-                  <a:lnTo>
-                    <a:pt x="391718" y="1232968"/>
-                  </a:lnTo>
-                  <a:lnTo>
-                    <a:pt x="421850" y="1167947"/>
-                  </a:lnTo>
-                  <a:lnTo>
-                    <a:pt x="451982" y="1102927"/>
-                  </a:lnTo>
-                  <a:lnTo>
-                    <a:pt x="482115" y="1037906"/>
-                  </a:lnTo>
-                  <a:lnTo>
-                    <a:pt x="512247" y="972885"/>
-                  </a:lnTo>
-                  <a:lnTo>
-                    <a:pt x="542379" y="907865"/>
-                  </a:lnTo>
-                  <a:lnTo>
-                    <a:pt x="572511" y="842844"/>
-                  </a:lnTo>
-                  <a:lnTo>
-                    <a:pt x="602643" y="777823"/>
-                  </a:lnTo>
-                  <a:lnTo>
-                    <a:pt x="632776" y="712803"/>
-                  </a:lnTo>
-                  <a:lnTo>
-                    <a:pt x="662908" y="647782"/>
-                  </a:lnTo>
-                  <a:lnTo>
-                    <a:pt x="693040" y="582761"/>
-                  </a:lnTo>
-                  <a:lnTo>
-                    <a:pt x="723172" y="517741"/>
-                  </a:lnTo>
-                  <a:lnTo>
-                    <a:pt x="753304" y="452720"/>
-                  </a:lnTo>
-                  <a:lnTo>
-                    <a:pt x="783436" y="387699"/>
-                  </a:lnTo>
-                  <a:lnTo>
-                    <a:pt x="813569" y="322679"/>
-                  </a:lnTo>
-                  <a:lnTo>
-                    <a:pt x="843701" y="257658"/>
-                  </a:lnTo>
-                  <a:lnTo>
-                    <a:pt x="873833" y="192637"/>
-                  </a:lnTo>
-                  <a:lnTo>
-                    <a:pt x="805087" y="162276"/>
-                  </a:lnTo>
-                  <a:lnTo>
-                    <a:pt x="735288" y="134421"/>
-                  </a:lnTo>
-                  <a:lnTo>
-                    <a:pt x="664527" y="109107"/>
-                  </a:lnTo>
-                  <a:lnTo>
-                    <a:pt x="592898" y="86368"/>
-                  </a:lnTo>
-                  <a:lnTo>
-                    <a:pt x="520493" y="66234"/>
-                  </a:lnTo>
-                  <a:lnTo>
-                    <a:pt x="447407" y="48730"/>
-                  </a:lnTo>
-                  <a:lnTo>
-                    <a:pt x="373737" y="33881"/>
-                  </a:lnTo>
-                  <a:lnTo>
-                    <a:pt x="299577" y="21705"/>
-                  </a:lnTo>
-                  <a:lnTo>
-                    <a:pt x="225026" y="12218"/>
-                  </a:lnTo>
-                  <a:lnTo>
-                    <a:pt x="150181" y="5433"/>
-                  </a:lnTo>
-                  <a:lnTo>
-                    <a:pt x="75139" y="1358"/>
+                    <a:pt x="28349" y="1894139"/>
+                  </a:lnTo>
+                  <a:lnTo>
+                    <a:pt x="56699" y="1832964"/>
+                  </a:lnTo>
+                  <a:lnTo>
+                    <a:pt x="85049" y="1771789"/>
+                  </a:lnTo>
+                  <a:lnTo>
+                    <a:pt x="113399" y="1710614"/>
+                  </a:lnTo>
+                  <a:lnTo>
+                    <a:pt x="141749" y="1649440"/>
+                  </a:lnTo>
+                  <a:lnTo>
+                    <a:pt x="170099" y="1588265"/>
+                  </a:lnTo>
+                  <a:lnTo>
+                    <a:pt x="198449" y="1527090"/>
+                  </a:lnTo>
+                  <a:lnTo>
+                    <a:pt x="226799" y="1465915"/>
+                  </a:lnTo>
+                  <a:lnTo>
+                    <a:pt x="255149" y="1404740"/>
+                  </a:lnTo>
+                  <a:lnTo>
+                    <a:pt x="283499" y="1343565"/>
+                  </a:lnTo>
+                  <a:lnTo>
+                    <a:pt x="311849" y="1282391"/>
+                  </a:lnTo>
+                  <a:lnTo>
+                    <a:pt x="340199" y="1221216"/>
+                  </a:lnTo>
+                  <a:lnTo>
+                    <a:pt x="368549" y="1160041"/>
+                  </a:lnTo>
+                  <a:lnTo>
+                    <a:pt x="396899" y="1098866"/>
+                  </a:lnTo>
+                  <a:lnTo>
+                    <a:pt x="425249" y="1037691"/>
+                  </a:lnTo>
+                  <a:lnTo>
+                    <a:pt x="453599" y="976516"/>
+                  </a:lnTo>
+                  <a:lnTo>
+                    <a:pt x="481949" y="915341"/>
+                  </a:lnTo>
+                  <a:lnTo>
+                    <a:pt x="510299" y="854167"/>
+                  </a:lnTo>
+                  <a:lnTo>
+                    <a:pt x="538648" y="792992"/>
+                  </a:lnTo>
+                  <a:lnTo>
+                    <a:pt x="566998" y="731817"/>
+                  </a:lnTo>
+                  <a:lnTo>
+                    <a:pt x="595348" y="670642"/>
+                  </a:lnTo>
+                  <a:lnTo>
+                    <a:pt x="623698" y="609467"/>
+                  </a:lnTo>
+                  <a:lnTo>
+                    <a:pt x="652048" y="548292"/>
+                  </a:lnTo>
+                  <a:lnTo>
+                    <a:pt x="680398" y="487118"/>
+                  </a:lnTo>
+                  <a:lnTo>
+                    <a:pt x="708748" y="425943"/>
+                  </a:lnTo>
+                  <a:lnTo>
+                    <a:pt x="737098" y="364768"/>
+                  </a:lnTo>
+                  <a:lnTo>
+                    <a:pt x="765448" y="303593"/>
+                  </a:lnTo>
+                  <a:lnTo>
+                    <a:pt x="793798" y="242418"/>
+                  </a:lnTo>
+                  <a:lnTo>
+                    <a:pt x="822148" y="181243"/>
+                  </a:lnTo>
+                  <a:lnTo>
+                    <a:pt x="757468" y="152678"/>
+                  </a:lnTo>
+                  <a:lnTo>
+                    <a:pt x="691797" y="126470"/>
+                  </a:lnTo>
+                  <a:lnTo>
+                    <a:pt x="625222" y="102653"/>
+                  </a:lnTo>
+                  <a:lnTo>
+                    <a:pt x="557829" y="81259"/>
+                  </a:lnTo>
+                  <a:lnTo>
+                    <a:pt x="489707" y="62316"/>
+                  </a:lnTo>
+                  <a:lnTo>
+                    <a:pt x="420944" y="45848"/>
+                  </a:lnTo>
+                  <a:lnTo>
+                    <a:pt x="351631" y="31877"/>
+                  </a:lnTo>
+                  <a:lnTo>
+                    <a:pt x="281858" y="20421"/>
+                  </a:lnTo>
+                  <a:lnTo>
+                    <a:pt x="211717" y="11495"/>
+                  </a:lnTo>
+                  <a:lnTo>
+                    <a:pt x="141298" y="5112"/>
+                  </a:lnTo>
+                  <a:lnTo>
+                    <a:pt x="70695" y="1278"/>
                   </a:lnTo>
                   <a:lnTo>
                     <a:pt x="0" y="0"/>
                   </a:lnTo>
                   <a:lnTo>
-                    <a:pt x="0" y="71663"/>
-                  </a:lnTo>
-                  <a:lnTo>
-                    <a:pt x="0" y="143326"/>
-                  </a:lnTo>
-                  <a:lnTo>
-                    <a:pt x="0" y="214990"/>
-                  </a:lnTo>
-                  <a:lnTo>
-                    <a:pt x="0" y="286653"/>
-                  </a:lnTo>
-                  <a:lnTo>
-                    <a:pt x="0" y="358316"/>
-                  </a:lnTo>
-                  <a:lnTo>
-                    <a:pt x="0" y="429980"/>
-                  </a:lnTo>
-                  <a:lnTo>
-                    <a:pt x="0" y="501643"/>
-                  </a:lnTo>
-                  <a:lnTo>
-                    <a:pt x="0" y="573306"/>
-                  </a:lnTo>
-                  <a:lnTo>
-                    <a:pt x="0" y="644970"/>
-                  </a:lnTo>
-                  <a:lnTo>
-                    <a:pt x="0" y="716633"/>
-                  </a:lnTo>
-                  <a:lnTo>
-                    <a:pt x="0" y="788296"/>
-                  </a:lnTo>
-                  <a:lnTo>
-                    <a:pt x="0" y="859960"/>
-                  </a:lnTo>
-                  <a:lnTo>
-                    <a:pt x="0" y="931623"/>
-                  </a:lnTo>
-                  <a:lnTo>
-                    <a:pt x="0" y="1003286"/>
-                  </a:lnTo>
-                  <a:lnTo>
-                    <a:pt x="0" y="1074950"/>
-                  </a:lnTo>
-                  <a:lnTo>
-                    <a:pt x="0" y="1146613"/>
-                  </a:lnTo>
-                  <a:lnTo>
-                    <a:pt x="0" y="1218276"/>
-                  </a:lnTo>
-                  <a:lnTo>
-                    <a:pt x="0" y="1289940"/>
-                  </a:lnTo>
-                  <a:lnTo>
-                    <a:pt x="0" y="1361603"/>
-                  </a:lnTo>
-                  <a:lnTo>
-                    <a:pt x="0" y="1433266"/>
-                  </a:lnTo>
-                  <a:lnTo>
-                    <a:pt x="0" y="1504930"/>
-                  </a:lnTo>
-                  <a:lnTo>
-                    <a:pt x="0" y="1576593"/>
-                  </a:lnTo>
-                  <a:lnTo>
-                    <a:pt x="0" y="1648256"/>
-                  </a:lnTo>
-                  <a:lnTo>
-                    <a:pt x="0" y="1719920"/>
-                  </a:lnTo>
-                  <a:lnTo>
-                    <a:pt x="0" y="1791583"/>
-                  </a:lnTo>
-                  <a:lnTo>
-                    <a:pt x="0" y="1863247"/>
-                  </a:lnTo>
-                  <a:lnTo>
-                    <a:pt x="0" y="1934910"/>
-                  </a:lnTo>
-                  <a:lnTo>
-                    <a:pt x="0" y="2006573"/>
+                    <a:pt x="0" y="67424"/>
+                  </a:lnTo>
+                  <a:lnTo>
+                    <a:pt x="0" y="134849"/>
+                  </a:lnTo>
+                  <a:lnTo>
+                    <a:pt x="0" y="202273"/>
+                  </a:lnTo>
+                  <a:lnTo>
+                    <a:pt x="0" y="269698"/>
+                  </a:lnTo>
+                  <a:lnTo>
+                    <a:pt x="0" y="337123"/>
+                  </a:lnTo>
+                  <a:lnTo>
+                    <a:pt x="0" y="404547"/>
+                  </a:lnTo>
+                  <a:lnTo>
+                    <a:pt x="0" y="471972"/>
+                  </a:lnTo>
+                  <a:lnTo>
+                    <a:pt x="0" y="539397"/>
+                  </a:lnTo>
+                  <a:lnTo>
+                    <a:pt x="0" y="606821"/>
+                  </a:lnTo>
+                  <a:lnTo>
+                    <a:pt x="0" y="674246"/>
+                  </a:lnTo>
+                  <a:lnTo>
+                    <a:pt x="0" y="741670"/>
+                  </a:lnTo>
+                  <a:lnTo>
+                    <a:pt x="0" y="809095"/>
+                  </a:lnTo>
+                  <a:lnTo>
+                    <a:pt x="0" y="876520"/>
+                  </a:lnTo>
+                  <a:lnTo>
+                    <a:pt x="0" y="943944"/>
+                  </a:lnTo>
+                  <a:lnTo>
+                    <a:pt x="0" y="1011369"/>
+                  </a:lnTo>
+                  <a:lnTo>
+                    <a:pt x="0" y="1078794"/>
+                  </a:lnTo>
+                  <a:lnTo>
+                    <a:pt x="0" y="1146218"/>
+                  </a:lnTo>
+                  <a:lnTo>
+                    <a:pt x="0" y="1213643"/>
+                  </a:lnTo>
+                  <a:lnTo>
+                    <a:pt x="0" y="1281067"/>
+                  </a:lnTo>
+                  <a:lnTo>
+                    <a:pt x="0" y="1348492"/>
+                  </a:lnTo>
+                  <a:lnTo>
+                    <a:pt x="0" y="1415917"/>
+                  </a:lnTo>
+                  <a:lnTo>
+                    <a:pt x="0" y="1483341"/>
+                  </a:lnTo>
+                  <a:lnTo>
+                    <a:pt x="0" y="1550766"/>
+                  </a:lnTo>
+                  <a:lnTo>
+                    <a:pt x="0" y="1618191"/>
+                  </a:lnTo>
+                  <a:lnTo>
+                    <a:pt x="0" y="1685615"/>
+                  </a:lnTo>
+                  <a:lnTo>
+                    <a:pt x="0" y="1753040"/>
+                  </a:lnTo>
+                  <a:lnTo>
+                    <a:pt x="0" y="1820465"/>
+                  </a:lnTo>
+                  <a:lnTo>
+                    <a:pt x="0" y="1887889"/>
                   </a:lnTo>
                   <a:close/>
                 </a:path>
@@ -4328,270 +4503,270 @@
           </p:nvSpPr>
           <p:spPr>
             <a:xfrm>
-              <a:off x="4609108" y="2175385"/>
-              <a:ext cx="2043998" cy="1885599"/>
+              <a:off x="4609108" y="2133260"/>
+              <a:ext cx="1923100" cy="1774070"/>
             </a:xfrm>
             <a:custGeom>
               <a:avLst/>
               <a:pathLst>
-                <a:path w="2043998" h="1885599">
+                <a:path w="1923100" h="1774070">
                   <a:moveTo>
-                    <a:pt x="0" y="1885599"/>
+                    <a:pt x="0" y="1774070"/>
                   </a:moveTo>
                   <a:lnTo>
-                    <a:pt x="70482" y="1872644"/>
-                  </a:lnTo>
-                  <a:lnTo>
-                    <a:pt x="140965" y="1859689"/>
-                  </a:lnTo>
-                  <a:lnTo>
-                    <a:pt x="211448" y="1846735"/>
-                  </a:lnTo>
-                  <a:lnTo>
-                    <a:pt x="281930" y="1833780"/>
-                  </a:lnTo>
-                  <a:lnTo>
-                    <a:pt x="352413" y="1820825"/>
-                  </a:lnTo>
-                  <a:lnTo>
-                    <a:pt x="422896" y="1807871"/>
-                  </a:lnTo>
-                  <a:lnTo>
-                    <a:pt x="493378" y="1794916"/>
-                  </a:lnTo>
-                  <a:lnTo>
-                    <a:pt x="563861" y="1781962"/>
-                  </a:lnTo>
-                  <a:lnTo>
-                    <a:pt x="634344" y="1769007"/>
-                  </a:lnTo>
-                  <a:lnTo>
-                    <a:pt x="704827" y="1756052"/>
-                  </a:lnTo>
-                  <a:lnTo>
-                    <a:pt x="775309" y="1743098"/>
-                  </a:lnTo>
-                  <a:lnTo>
-                    <a:pt x="845792" y="1730143"/>
-                  </a:lnTo>
-                  <a:lnTo>
-                    <a:pt x="916275" y="1717188"/>
-                  </a:lnTo>
-                  <a:lnTo>
-                    <a:pt x="986757" y="1704234"/>
-                  </a:lnTo>
-                  <a:lnTo>
-                    <a:pt x="1057240" y="1691279"/>
-                  </a:lnTo>
-                  <a:lnTo>
-                    <a:pt x="1127723" y="1678324"/>
-                  </a:lnTo>
-                  <a:lnTo>
-                    <a:pt x="1198206" y="1665370"/>
-                  </a:lnTo>
-                  <a:lnTo>
-                    <a:pt x="1268688" y="1652415"/>
-                  </a:lnTo>
-                  <a:lnTo>
-                    <a:pt x="1339171" y="1639460"/>
-                  </a:lnTo>
-                  <a:lnTo>
-                    <a:pt x="1409654" y="1626506"/>
-                  </a:lnTo>
-                  <a:lnTo>
-                    <a:pt x="1480136" y="1613551"/>
-                  </a:lnTo>
-                  <a:lnTo>
-                    <a:pt x="1550619" y="1600597"/>
-                  </a:lnTo>
-                  <a:lnTo>
-                    <a:pt x="1621102" y="1587642"/>
-                  </a:lnTo>
-                  <a:lnTo>
-                    <a:pt x="1691585" y="1574687"/>
-                  </a:lnTo>
-                  <a:lnTo>
-                    <a:pt x="1762067" y="1561733"/>
-                  </a:lnTo>
-                  <a:lnTo>
-                    <a:pt x="1832550" y="1548778"/>
-                  </a:lnTo>
-                  <a:lnTo>
-                    <a:pt x="1903033" y="1535823"/>
-                  </a:lnTo>
-                  <a:lnTo>
-                    <a:pt x="1973515" y="1522869"/>
-                  </a:lnTo>
-                  <a:lnTo>
-                    <a:pt x="2043998" y="1509914"/>
-                  </a:lnTo>
-                  <a:lnTo>
-                    <a:pt x="2029997" y="1440426"/>
-                  </a:lnTo>
-                  <a:lnTo>
-                    <a:pt x="2013635" y="1371457"/>
-                  </a:lnTo>
-                  <a:lnTo>
-                    <a:pt x="1994930" y="1303085"/>
-                  </a:lnTo>
-                  <a:lnTo>
-                    <a:pt x="1973904" y="1235391"/>
-                  </a:lnTo>
-                  <a:lnTo>
-                    <a:pt x="1950582" y="1168454"/>
-                  </a:lnTo>
-                  <a:lnTo>
-                    <a:pt x="1924991" y="1102350"/>
-                  </a:lnTo>
-                  <a:lnTo>
-                    <a:pt x="1897160" y="1037158"/>
-                  </a:lnTo>
-                  <a:lnTo>
-                    <a:pt x="1867122" y="972953"/>
-                  </a:lnTo>
-                  <a:lnTo>
-                    <a:pt x="1834913" y="909810"/>
-                  </a:lnTo>
-                  <a:lnTo>
-                    <a:pt x="1800568" y="847802"/>
-                  </a:lnTo>
-                  <a:lnTo>
-                    <a:pt x="1764129" y="787001"/>
-                  </a:lnTo>
-                  <a:lnTo>
-                    <a:pt x="1725637" y="727478"/>
-                  </a:lnTo>
-                  <a:lnTo>
-                    <a:pt x="1685139" y="669303"/>
-                  </a:lnTo>
-                  <a:lnTo>
-                    <a:pt x="1642679" y="612542"/>
-                  </a:lnTo>
-                  <a:lnTo>
-                    <a:pt x="1598309" y="557263"/>
-                  </a:lnTo>
-                  <a:lnTo>
-                    <a:pt x="1552079" y="503529"/>
-                  </a:lnTo>
-                  <a:lnTo>
-                    <a:pt x="1504044" y="451402"/>
-                  </a:lnTo>
-                  <a:lnTo>
-                    <a:pt x="1454259" y="400944"/>
-                  </a:lnTo>
-                  <a:lnTo>
-                    <a:pt x="1402782" y="352213"/>
-                  </a:lnTo>
-                  <a:lnTo>
-                    <a:pt x="1349673" y="305266"/>
-                  </a:lnTo>
-                  <a:lnTo>
-                    <a:pt x="1294994" y="260158"/>
-                  </a:lnTo>
-                  <a:lnTo>
-                    <a:pt x="1238809" y="216940"/>
-                  </a:lnTo>
-                  <a:lnTo>
-                    <a:pt x="1181183" y="175664"/>
-                  </a:lnTo>
-                  <a:lnTo>
-                    <a:pt x="1122182" y="136377"/>
-                  </a:lnTo>
-                  <a:lnTo>
-                    <a:pt x="1061876" y="99125"/>
-                  </a:lnTo>
-                  <a:lnTo>
-                    <a:pt x="1000334" y="63951"/>
-                  </a:lnTo>
-                  <a:lnTo>
-                    <a:pt x="937629" y="30896"/>
-                  </a:lnTo>
-                  <a:lnTo>
-                    <a:pt x="873833" y="0"/>
-                  </a:lnTo>
-                  <a:lnTo>
-                    <a:pt x="843701" y="65020"/>
-                  </a:lnTo>
-                  <a:lnTo>
-                    <a:pt x="813569" y="130041"/>
-                  </a:lnTo>
-                  <a:lnTo>
-                    <a:pt x="783436" y="195061"/>
-                  </a:lnTo>
-                  <a:lnTo>
-                    <a:pt x="753304" y="260082"/>
-                  </a:lnTo>
-                  <a:lnTo>
-                    <a:pt x="723172" y="325103"/>
-                  </a:lnTo>
-                  <a:lnTo>
-                    <a:pt x="693040" y="390123"/>
-                  </a:lnTo>
-                  <a:lnTo>
-                    <a:pt x="662908" y="455144"/>
-                  </a:lnTo>
-                  <a:lnTo>
-                    <a:pt x="632776" y="520165"/>
-                  </a:lnTo>
-                  <a:lnTo>
-                    <a:pt x="602643" y="585185"/>
-                  </a:lnTo>
-                  <a:lnTo>
-                    <a:pt x="572511" y="650206"/>
-                  </a:lnTo>
-                  <a:lnTo>
-                    <a:pt x="542379" y="715227"/>
-                  </a:lnTo>
-                  <a:lnTo>
-                    <a:pt x="512247" y="780247"/>
-                  </a:lnTo>
-                  <a:lnTo>
-                    <a:pt x="482115" y="845268"/>
-                  </a:lnTo>
-                  <a:lnTo>
-                    <a:pt x="451982" y="910289"/>
-                  </a:lnTo>
-                  <a:lnTo>
-                    <a:pt x="421850" y="975309"/>
-                  </a:lnTo>
-                  <a:lnTo>
-                    <a:pt x="391718" y="1040330"/>
-                  </a:lnTo>
-                  <a:lnTo>
-                    <a:pt x="361586" y="1105351"/>
-                  </a:lnTo>
-                  <a:lnTo>
-                    <a:pt x="331454" y="1170371"/>
-                  </a:lnTo>
-                  <a:lnTo>
-                    <a:pt x="301321" y="1235392"/>
-                  </a:lnTo>
-                  <a:lnTo>
-                    <a:pt x="271189" y="1300413"/>
-                  </a:lnTo>
-                  <a:lnTo>
-                    <a:pt x="241057" y="1365433"/>
-                  </a:lnTo>
-                  <a:lnTo>
-                    <a:pt x="210925" y="1430454"/>
-                  </a:lnTo>
-                  <a:lnTo>
-                    <a:pt x="180793" y="1495475"/>
-                  </a:lnTo>
-                  <a:lnTo>
-                    <a:pt x="150660" y="1560495"/>
-                  </a:lnTo>
-                  <a:lnTo>
-                    <a:pt x="120528" y="1625516"/>
-                  </a:lnTo>
-                  <a:lnTo>
-                    <a:pt x="90396" y="1690537"/>
-                  </a:lnTo>
-                  <a:lnTo>
-                    <a:pt x="60264" y="1755557"/>
-                  </a:lnTo>
-                  <a:lnTo>
-                    <a:pt x="30132" y="1820578"/>
+                    <a:pt x="66313" y="1761882"/>
+                  </a:lnTo>
+                  <a:lnTo>
+                    <a:pt x="132627" y="1749693"/>
+                  </a:lnTo>
+                  <a:lnTo>
+                    <a:pt x="198941" y="1737505"/>
+                  </a:lnTo>
+                  <a:lnTo>
+                    <a:pt x="265255" y="1725316"/>
+                  </a:lnTo>
+                  <a:lnTo>
+                    <a:pt x="331569" y="1713128"/>
+                  </a:lnTo>
+                  <a:lnTo>
+                    <a:pt x="397882" y="1700940"/>
+                  </a:lnTo>
+                  <a:lnTo>
+                    <a:pt x="464196" y="1688751"/>
+                  </a:lnTo>
+                  <a:lnTo>
+                    <a:pt x="530510" y="1676563"/>
+                  </a:lnTo>
+                  <a:lnTo>
+                    <a:pt x="596824" y="1664374"/>
+                  </a:lnTo>
+                  <a:lnTo>
+                    <a:pt x="663138" y="1652186"/>
+                  </a:lnTo>
+                  <a:lnTo>
+                    <a:pt x="729452" y="1639998"/>
+                  </a:lnTo>
+                  <a:lnTo>
+                    <a:pt x="795765" y="1627809"/>
+                  </a:lnTo>
+                  <a:lnTo>
+                    <a:pt x="862079" y="1615621"/>
+                  </a:lnTo>
+                  <a:lnTo>
+                    <a:pt x="928393" y="1603432"/>
+                  </a:lnTo>
+                  <a:lnTo>
+                    <a:pt x="994707" y="1591244"/>
+                  </a:lnTo>
+                  <a:lnTo>
+                    <a:pt x="1061021" y="1579055"/>
+                  </a:lnTo>
+                  <a:lnTo>
+                    <a:pt x="1127335" y="1566867"/>
+                  </a:lnTo>
+                  <a:lnTo>
+                    <a:pt x="1193648" y="1554679"/>
+                  </a:lnTo>
+                  <a:lnTo>
+                    <a:pt x="1259962" y="1542490"/>
+                  </a:lnTo>
+                  <a:lnTo>
+                    <a:pt x="1326276" y="1530302"/>
+                  </a:lnTo>
+                  <a:lnTo>
+                    <a:pt x="1392590" y="1518113"/>
+                  </a:lnTo>
+                  <a:lnTo>
+                    <a:pt x="1458904" y="1505925"/>
+                  </a:lnTo>
+                  <a:lnTo>
+                    <a:pt x="1525218" y="1493737"/>
+                  </a:lnTo>
+                  <a:lnTo>
+                    <a:pt x="1591531" y="1481548"/>
+                  </a:lnTo>
+                  <a:lnTo>
+                    <a:pt x="1657845" y="1469360"/>
+                  </a:lnTo>
+                  <a:lnTo>
+                    <a:pt x="1724159" y="1457171"/>
+                  </a:lnTo>
+                  <a:lnTo>
+                    <a:pt x="1790473" y="1444983"/>
+                  </a:lnTo>
+                  <a:lnTo>
+                    <a:pt x="1856787" y="1432795"/>
+                  </a:lnTo>
+                  <a:lnTo>
+                    <a:pt x="1923100" y="1420606"/>
+                  </a:lnTo>
+                  <a:lnTo>
+                    <a:pt x="1909928" y="1355229"/>
+                  </a:lnTo>
+                  <a:lnTo>
+                    <a:pt x="1894533" y="1290338"/>
+                  </a:lnTo>
+                  <a:lnTo>
+                    <a:pt x="1876935" y="1226011"/>
+                  </a:lnTo>
+                  <a:lnTo>
+                    <a:pt x="1857152" y="1162321"/>
+                  </a:lnTo>
+                  <a:lnTo>
+                    <a:pt x="1835210" y="1099342"/>
+                  </a:lnTo>
+                  <a:lnTo>
+                    <a:pt x="1811132" y="1037149"/>
+                  </a:lnTo>
+                  <a:lnTo>
+                    <a:pt x="1784948" y="975813"/>
+                  </a:lnTo>
+                  <a:lnTo>
+                    <a:pt x="1756687" y="915405"/>
+                  </a:lnTo>
+                  <a:lnTo>
+                    <a:pt x="1726382" y="855997"/>
+                  </a:lnTo>
+                  <a:lnTo>
+                    <a:pt x="1694069" y="797656"/>
+                  </a:lnTo>
+                  <a:lnTo>
+                    <a:pt x="1659785" y="740452"/>
+                  </a:lnTo>
+                  <a:lnTo>
+                    <a:pt x="1623570" y="684450"/>
+                  </a:lnTo>
+                  <a:lnTo>
+                    <a:pt x="1585467" y="629715"/>
+                  </a:lnTo>
+                  <a:lnTo>
+                    <a:pt x="1545519" y="576312"/>
+                  </a:lnTo>
+                  <a:lnTo>
+                    <a:pt x="1503773" y="524302"/>
+                  </a:lnTo>
+                  <a:lnTo>
+                    <a:pt x="1460277" y="473746"/>
+                  </a:lnTo>
+                  <a:lnTo>
+                    <a:pt x="1415083" y="424703"/>
+                  </a:lnTo>
+                  <a:lnTo>
+                    <a:pt x="1368243" y="377229"/>
+                  </a:lnTo>
+                  <a:lnTo>
+                    <a:pt x="1319811" y="331381"/>
+                  </a:lnTo>
+                  <a:lnTo>
+                    <a:pt x="1269843" y="287211"/>
+                  </a:lnTo>
+                  <a:lnTo>
+                    <a:pt x="1218399" y="244770"/>
+                  </a:lnTo>
+                  <a:lnTo>
+                    <a:pt x="1165536" y="204109"/>
+                  </a:lnTo>
+                  <a:lnTo>
+                    <a:pt x="1111318" y="165274"/>
+                  </a:lnTo>
+                  <a:lnTo>
+                    <a:pt x="1055807" y="128311"/>
+                  </a:lnTo>
+                  <a:lnTo>
+                    <a:pt x="999068" y="93262"/>
+                  </a:lnTo>
+                  <a:lnTo>
+                    <a:pt x="941167" y="60169"/>
+                  </a:lnTo>
+                  <a:lnTo>
+                    <a:pt x="882170" y="29069"/>
+                  </a:lnTo>
+                  <a:lnTo>
+                    <a:pt x="822148" y="0"/>
+                  </a:lnTo>
+                  <a:lnTo>
+                    <a:pt x="793798" y="61174"/>
+                  </a:lnTo>
+                  <a:lnTo>
+                    <a:pt x="765448" y="122349"/>
+                  </a:lnTo>
+                  <a:lnTo>
+                    <a:pt x="737098" y="183524"/>
+                  </a:lnTo>
+                  <a:lnTo>
+                    <a:pt x="708748" y="244699"/>
+                  </a:lnTo>
+                  <a:lnTo>
+                    <a:pt x="680398" y="305874"/>
+                  </a:lnTo>
+                  <a:lnTo>
+                    <a:pt x="652048" y="367049"/>
+                  </a:lnTo>
+                  <a:lnTo>
+                    <a:pt x="623698" y="428223"/>
+                  </a:lnTo>
+                  <a:lnTo>
+                    <a:pt x="595348" y="489398"/>
+                  </a:lnTo>
+                  <a:lnTo>
+                    <a:pt x="566998" y="550573"/>
+                  </a:lnTo>
+                  <a:lnTo>
+                    <a:pt x="538648" y="611748"/>
+                  </a:lnTo>
+                  <a:lnTo>
+                    <a:pt x="510299" y="672923"/>
+                  </a:lnTo>
+                  <a:lnTo>
+                    <a:pt x="481949" y="734098"/>
+                  </a:lnTo>
+                  <a:lnTo>
+                    <a:pt x="453599" y="795272"/>
+                  </a:lnTo>
+                  <a:lnTo>
+                    <a:pt x="425249" y="856447"/>
+                  </a:lnTo>
+                  <a:lnTo>
+                    <a:pt x="396899" y="917622"/>
+                  </a:lnTo>
+                  <a:lnTo>
+                    <a:pt x="368549" y="978797"/>
+                  </a:lnTo>
+                  <a:lnTo>
+                    <a:pt x="340199" y="1039972"/>
+                  </a:lnTo>
+                  <a:lnTo>
+                    <a:pt x="311849" y="1101147"/>
+                  </a:lnTo>
+                  <a:lnTo>
+                    <a:pt x="283499" y="1162322"/>
+                  </a:lnTo>
+                  <a:lnTo>
+                    <a:pt x="255149" y="1223496"/>
+                  </a:lnTo>
+                  <a:lnTo>
+                    <a:pt x="226799" y="1284671"/>
+                  </a:lnTo>
+                  <a:lnTo>
+                    <a:pt x="198449" y="1345846"/>
+                  </a:lnTo>
+                  <a:lnTo>
+                    <a:pt x="170099" y="1407021"/>
+                  </a:lnTo>
+                  <a:lnTo>
+                    <a:pt x="141749" y="1468196"/>
+                  </a:lnTo>
+                  <a:lnTo>
+                    <a:pt x="113399" y="1529371"/>
+                  </a:lnTo>
+                  <a:lnTo>
+                    <a:pt x="85049" y="1590545"/>
+                  </a:lnTo>
+                  <a:lnTo>
+                    <a:pt x="56699" y="1651720"/>
+                  </a:lnTo>
+                  <a:lnTo>
+                    <a:pt x="28349" y="1712895"/>
                   </a:lnTo>
                   <a:close/>
                 </a:path>
@@ -4626,327 +4801,327 @@
           </p:nvSpPr>
           <p:spPr>
             <a:xfrm>
-              <a:off x="4609108" y="3685299"/>
-              <a:ext cx="2078117" cy="2432214"/>
+              <a:off x="4609108" y="3553867"/>
+              <a:ext cx="1955202" cy="2288354"/>
             </a:xfrm>
             <a:custGeom>
               <a:avLst/>
               <a:pathLst>
-                <a:path w="2078117" h="2432214">
+                <a:path w="1955202" h="2288354">
                   <a:moveTo>
-                    <a:pt x="0" y="375684"/>
+                    <a:pt x="0" y="353463"/>
                   </a:moveTo>
                   <a:lnTo>
-                    <a:pt x="10330" y="446599"/>
-                  </a:lnTo>
-                  <a:lnTo>
-                    <a:pt x="20661" y="517514"/>
-                  </a:lnTo>
-                  <a:lnTo>
-                    <a:pt x="30992" y="588429"/>
-                  </a:lnTo>
-                  <a:lnTo>
-                    <a:pt x="41323" y="659343"/>
-                  </a:lnTo>
-                  <a:lnTo>
-                    <a:pt x="51653" y="730258"/>
-                  </a:lnTo>
-                  <a:lnTo>
-                    <a:pt x="61984" y="801173"/>
-                  </a:lnTo>
-                  <a:lnTo>
-                    <a:pt x="72315" y="872088"/>
-                  </a:lnTo>
-                  <a:lnTo>
-                    <a:pt x="82646" y="943003"/>
-                  </a:lnTo>
-                  <a:lnTo>
-                    <a:pt x="92977" y="1013917"/>
-                  </a:lnTo>
-                  <a:lnTo>
-                    <a:pt x="103307" y="1084832"/>
-                  </a:lnTo>
-                  <a:lnTo>
-                    <a:pt x="113638" y="1155747"/>
-                  </a:lnTo>
-                  <a:lnTo>
-                    <a:pt x="123969" y="1226662"/>
-                  </a:lnTo>
-                  <a:lnTo>
-                    <a:pt x="134300" y="1297577"/>
-                  </a:lnTo>
-                  <a:lnTo>
-                    <a:pt x="144630" y="1368491"/>
-                  </a:lnTo>
-                  <a:lnTo>
-                    <a:pt x="154961" y="1439406"/>
-                  </a:lnTo>
-                  <a:lnTo>
-                    <a:pt x="165292" y="1510321"/>
-                  </a:lnTo>
-                  <a:lnTo>
-                    <a:pt x="175623" y="1581236"/>
-                  </a:lnTo>
-                  <a:lnTo>
-                    <a:pt x="185954" y="1652151"/>
-                  </a:lnTo>
-                  <a:lnTo>
-                    <a:pt x="196284" y="1723065"/>
-                  </a:lnTo>
-                  <a:lnTo>
-                    <a:pt x="206615" y="1793980"/>
-                  </a:lnTo>
-                  <a:lnTo>
-                    <a:pt x="216946" y="1864895"/>
-                  </a:lnTo>
-                  <a:lnTo>
-                    <a:pt x="227277" y="1935810"/>
-                  </a:lnTo>
-                  <a:lnTo>
-                    <a:pt x="237607" y="2006725"/>
-                  </a:lnTo>
-                  <a:lnTo>
-                    <a:pt x="247938" y="2077639"/>
-                  </a:lnTo>
-                  <a:lnTo>
-                    <a:pt x="258269" y="2148554"/>
-                  </a:lnTo>
-                  <a:lnTo>
-                    <a:pt x="268600" y="2219469"/>
-                  </a:lnTo>
-                  <a:lnTo>
-                    <a:pt x="278931" y="2290384"/>
-                  </a:lnTo>
-                  <a:lnTo>
-                    <a:pt x="289261" y="2361299"/>
-                  </a:lnTo>
-                  <a:lnTo>
-                    <a:pt x="299592" y="2432214"/>
-                  </a:lnTo>
-                  <a:lnTo>
-                    <a:pt x="369759" y="2420763"/>
-                  </a:lnTo>
-                  <a:lnTo>
-                    <a:pt x="439492" y="2406919"/>
-                  </a:lnTo>
-                  <a:lnTo>
-                    <a:pt x="508712" y="2390698"/>
-                  </a:lnTo>
-                  <a:lnTo>
-                    <a:pt x="577336" y="2372119"/>
-                  </a:lnTo>
-                  <a:lnTo>
-                    <a:pt x="645284" y="2351204"/>
-                  </a:lnTo>
-                  <a:lnTo>
-                    <a:pt x="712477" y="2327976"/>
-                  </a:lnTo>
-                  <a:lnTo>
-                    <a:pt x="778837" y="2302464"/>
-                  </a:lnTo>
-                  <a:lnTo>
-                    <a:pt x="844285" y="2274697"/>
-                  </a:lnTo>
-                  <a:lnTo>
-                    <a:pt x="908745" y="2244708"/>
-                  </a:lnTo>
-                  <a:lnTo>
-                    <a:pt x="972141" y="2212532"/>
-                  </a:lnTo>
-                  <a:lnTo>
-                    <a:pt x="1034400" y="2178206"/>
-                  </a:lnTo>
-                  <a:lnTo>
-                    <a:pt x="1095448" y="2141770"/>
-                  </a:lnTo>
-                  <a:lnTo>
-                    <a:pt x="1155215" y="2103268"/>
-                  </a:lnTo>
-                  <a:lnTo>
-                    <a:pt x="1213629" y="2062744"/>
-                  </a:lnTo>
-                  <a:lnTo>
-                    <a:pt x="1270623" y="2020246"/>
-                  </a:lnTo>
-                  <a:lnTo>
-                    <a:pt x="1326131" y="1975823"/>
-                  </a:lnTo>
-                  <a:lnTo>
-                    <a:pt x="1380086" y="1929528"/>
-                  </a:lnTo>
-                  <a:lnTo>
-                    <a:pt x="1432426" y="1881414"/>
-                  </a:lnTo>
-                  <a:lnTo>
-                    <a:pt x="1483090" y="1831538"/>
-                  </a:lnTo>
-                  <a:lnTo>
-                    <a:pt x="1532019" y="1779959"/>
-                  </a:lnTo>
-                  <a:lnTo>
-                    <a:pt x="1579154" y="1726736"/>
-                  </a:lnTo>
-                  <a:lnTo>
-                    <a:pt x="1624442" y="1671931"/>
-                  </a:lnTo>
-                  <a:lnTo>
-                    <a:pt x="1667828" y="1615610"/>
-                  </a:lnTo>
-                  <a:lnTo>
-                    <a:pt x="1709263" y="1557838"/>
-                  </a:lnTo>
-                  <a:lnTo>
-                    <a:pt x="1748697" y="1498683"/>
-                  </a:lnTo>
-                  <a:lnTo>
-                    <a:pt x="1786085" y="1438213"/>
-                  </a:lnTo>
-                  <a:lnTo>
-                    <a:pt x="1821383" y="1376500"/>
-                  </a:lnTo>
-                  <a:lnTo>
-                    <a:pt x="1854549" y="1313616"/>
-                  </a:lnTo>
-                  <a:lnTo>
-                    <a:pt x="1885545" y="1249634"/>
-                  </a:lnTo>
-                  <a:lnTo>
-                    <a:pt x="1914334" y="1184629"/>
-                  </a:lnTo>
-                  <a:lnTo>
-                    <a:pt x="1940883" y="1118678"/>
-                  </a:lnTo>
-                  <a:lnTo>
-                    <a:pt x="1965161" y="1051857"/>
-                  </a:lnTo>
-                  <a:lnTo>
-                    <a:pt x="1987139" y="984245"/>
-                  </a:lnTo>
-                  <a:lnTo>
-                    <a:pt x="2006791" y="915920"/>
-                  </a:lnTo>
-                  <a:lnTo>
-                    <a:pt x="2024096" y="846964"/>
-                  </a:lnTo>
-                  <a:lnTo>
-                    <a:pt x="2039031" y="777456"/>
-                  </a:lnTo>
-                  <a:lnTo>
-                    <a:pt x="2051580" y="707477"/>
-                  </a:lnTo>
-                  <a:lnTo>
-                    <a:pt x="2061728" y="637111"/>
-                  </a:lnTo>
-                  <a:lnTo>
-                    <a:pt x="2069464" y="566438"/>
-                  </a:lnTo>
-                  <a:lnTo>
-                    <a:pt x="2074777" y="495543"/>
-                  </a:lnTo>
-                  <a:lnTo>
-                    <a:pt x="2077663" y="424507"/>
-                  </a:lnTo>
-                  <a:lnTo>
-                    <a:pt x="2078117" y="353413"/>
-                  </a:lnTo>
-                  <a:lnTo>
-                    <a:pt x="2076140" y="282346"/>
-                  </a:lnTo>
-                  <a:lnTo>
-                    <a:pt x="2071732" y="211388"/>
-                  </a:lnTo>
-                  <a:lnTo>
-                    <a:pt x="2064900" y="140623"/>
-                  </a:lnTo>
-                  <a:lnTo>
-                    <a:pt x="2055652" y="70132"/>
-                  </a:lnTo>
-                  <a:lnTo>
-                    <a:pt x="2043998" y="0"/>
-                  </a:lnTo>
-                  <a:lnTo>
-                    <a:pt x="1973515" y="12954"/>
-                  </a:lnTo>
-                  <a:lnTo>
-                    <a:pt x="1903033" y="25909"/>
-                  </a:lnTo>
-                  <a:lnTo>
-                    <a:pt x="1832550" y="38863"/>
-                  </a:lnTo>
-                  <a:lnTo>
-                    <a:pt x="1762067" y="51818"/>
-                  </a:lnTo>
-                  <a:lnTo>
-                    <a:pt x="1691585" y="64773"/>
-                  </a:lnTo>
-                  <a:lnTo>
-                    <a:pt x="1621102" y="77727"/>
-                  </a:lnTo>
-                  <a:lnTo>
-                    <a:pt x="1550619" y="90682"/>
-                  </a:lnTo>
-                  <a:lnTo>
-                    <a:pt x="1480136" y="103637"/>
-                  </a:lnTo>
-                  <a:lnTo>
-                    <a:pt x="1409654" y="116591"/>
-                  </a:lnTo>
-                  <a:lnTo>
-                    <a:pt x="1339171" y="129546"/>
-                  </a:lnTo>
-                  <a:lnTo>
-                    <a:pt x="1268688" y="142501"/>
-                  </a:lnTo>
-                  <a:lnTo>
-                    <a:pt x="1198206" y="155455"/>
-                  </a:lnTo>
-                  <a:lnTo>
-                    <a:pt x="1127723" y="168410"/>
-                  </a:lnTo>
-                  <a:lnTo>
-                    <a:pt x="1057240" y="181364"/>
-                  </a:lnTo>
-                  <a:lnTo>
-                    <a:pt x="986757" y="194319"/>
-                  </a:lnTo>
-                  <a:lnTo>
-                    <a:pt x="916275" y="207274"/>
-                  </a:lnTo>
-                  <a:lnTo>
-                    <a:pt x="845792" y="220228"/>
-                  </a:lnTo>
-                  <a:lnTo>
-                    <a:pt x="775309" y="233183"/>
-                  </a:lnTo>
-                  <a:lnTo>
-                    <a:pt x="704827" y="246138"/>
-                  </a:lnTo>
-                  <a:lnTo>
-                    <a:pt x="634344" y="259092"/>
-                  </a:lnTo>
-                  <a:lnTo>
-                    <a:pt x="563861" y="272047"/>
-                  </a:lnTo>
-                  <a:lnTo>
-                    <a:pt x="493378" y="285002"/>
-                  </a:lnTo>
-                  <a:lnTo>
-                    <a:pt x="422896" y="297956"/>
-                  </a:lnTo>
-                  <a:lnTo>
-                    <a:pt x="352413" y="310911"/>
-                  </a:lnTo>
-                  <a:lnTo>
-                    <a:pt x="281930" y="323866"/>
-                  </a:lnTo>
-                  <a:lnTo>
-                    <a:pt x="211448" y="336820"/>
-                  </a:lnTo>
-                  <a:lnTo>
-                    <a:pt x="140965" y="349775"/>
-                  </a:lnTo>
-                  <a:lnTo>
-                    <a:pt x="70482" y="362729"/>
+                    <a:pt x="9719" y="420184"/>
+                  </a:lnTo>
+                  <a:lnTo>
+                    <a:pt x="19439" y="486904"/>
+                  </a:lnTo>
+                  <a:lnTo>
+                    <a:pt x="29159" y="553624"/>
+                  </a:lnTo>
+                  <a:lnTo>
+                    <a:pt x="38878" y="620345"/>
+                  </a:lnTo>
+                  <a:lnTo>
+                    <a:pt x="48598" y="687065"/>
+                  </a:lnTo>
+                  <a:lnTo>
+                    <a:pt x="58318" y="753785"/>
+                  </a:lnTo>
+                  <a:lnTo>
+                    <a:pt x="68038" y="820506"/>
+                  </a:lnTo>
+                  <a:lnTo>
+                    <a:pt x="77757" y="887226"/>
+                  </a:lnTo>
+                  <a:lnTo>
+                    <a:pt x="87477" y="953947"/>
+                  </a:lnTo>
+                  <a:lnTo>
+                    <a:pt x="97197" y="1020667"/>
+                  </a:lnTo>
+                  <a:lnTo>
+                    <a:pt x="106917" y="1087387"/>
+                  </a:lnTo>
+                  <a:lnTo>
+                    <a:pt x="116636" y="1154108"/>
+                  </a:lnTo>
+                  <a:lnTo>
+                    <a:pt x="126356" y="1220828"/>
+                  </a:lnTo>
+                  <a:lnTo>
+                    <a:pt x="136076" y="1287548"/>
+                  </a:lnTo>
+                  <a:lnTo>
+                    <a:pt x="145796" y="1354269"/>
+                  </a:lnTo>
+                  <a:lnTo>
+                    <a:pt x="155515" y="1420989"/>
+                  </a:lnTo>
+                  <a:lnTo>
+                    <a:pt x="165235" y="1487709"/>
+                  </a:lnTo>
+                  <a:lnTo>
+                    <a:pt x="174955" y="1554430"/>
+                  </a:lnTo>
+                  <a:lnTo>
+                    <a:pt x="184675" y="1621150"/>
+                  </a:lnTo>
+                  <a:lnTo>
+                    <a:pt x="194394" y="1687871"/>
+                  </a:lnTo>
+                  <a:lnTo>
+                    <a:pt x="204114" y="1754591"/>
+                  </a:lnTo>
+                  <a:lnTo>
+                    <a:pt x="213834" y="1821311"/>
+                  </a:lnTo>
+                  <a:lnTo>
+                    <a:pt x="223554" y="1888032"/>
+                  </a:lnTo>
+                  <a:lnTo>
+                    <a:pt x="233273" y="1954752"/>
+                  </a:lnTo>
+                  <a:lnTo>
+                    <a:pt x="242993" y="2021472"/>
+                  </a:lnTo>
+                  <a:lnTo>
+                    <a:pt x="252713" y="2088193"/>
+                  </a:lnTo>
+                  <a:lnTo>
+                    <a:pt x="262433" y="2154913"/>
+                  </a:lnTo>
+                  <a:lnTo>
+                    <a:pt x="272152" y="2221634"/>
+                  </a:lnTo>
+                  <a:lnTo>
+                    <a:pt x="281872" y="2288354"/>
+                  </a:lnTo>
+                  <a:lnTo>
+                    <a:pt x="347888" y="2277581"/>
+                  </a:lnTo>
+                  <a:lnTo>
+                    <a:pt x="413497" y="2264555"/>
+                  </a:lnTo>
+                  <a:lnTo>
+                    <a:pt x="478623" y="2249294"/>
+                  </a:lnTo>
+                  <a:lnTo>
+                    <a:pt x="543188" y="2231814"/>
+                  </a:lnTo>
+                  <a:lnTo>
+                    <a:pt x="607117" y="2212135"/>
+                  </a:lnTo>
+                  <a:lnTo>
+                    <a:pt x="670336" y="2190282"/>
+                  </a:lnTo>
+                  <a:lnTo>
+                    <a:pt x="732770" y="2166279"/>
+                  </a:lnTo>
+                  <a:lnTo>
+                    <a:pt x="794347" y="2140154"/>
+                  </a:lnTo>
+                  <a:lnTo>
+                    <a:pt x="854995" y="2111939"/>
+                  </a:lnTo>
+                  <a:lnTo>
+                    <a:pt x="914641" y="2081666"/>
+                  </a:lnTo>
+                  <a:lnTo>
+                    <a:pt x="973218" y="2049370"/>
+                  </a:lnTo>
+                  <a:lnTo>
+                    <a:pt x="1030655" y="2015090"/>
+                  </a:lnTo>
+                  <a:lnTo>
+                    <a:pt x="1086887" y="1978865"/>
+                  </a:lnTo>
+                  <a:lnTo>
+                    <a:pt x="1141846" y="1940738"/>
+                  </a:lnTo>
+                  <a:lnTo>
+                    <a:pt x="1195469" y="1900753"/>
+                  </a:lnTo>
+                  <a:lnTo>
+                    <a:pt x="1247693" y="1858958"/>
+                  </a:lnTo>
+                  <a:lnTo>
+                    <a:pt x="1298457" y="1815401"/>
+                  </a:lnTo>
+                  <a:lnTo>
+                    <a:pt x="1347702" y="1770133"/>
+                  </a:lnTo>
+                  <a:lnTo>
+                    <a:pt x="1395369" y="1723207"/>
+                  </a:lnTo>
+                  <a:lnTo>
+                    <a:pt x="1441403" y="1674678"/>
+                  </a:lnTo>
+                  <a:lnTo>
+                    <a:pt x="1485751" y="1624603"/>
+                  </a:lnTo>
+                  <a:lnTo>
+                    <a:pt x="1528360" y="1573041"/>
+                  </a:lnTo>
+                  <a:lnTo>
+                    <a:pt x="1569180" y="1520051"/>
+                  </a:lnTo>
+                  <a:lnTo>
+                    <a:pt x="1608164" y="1465696"/>
+                  </a:lnTo>
+                  <a:lnTo>
+                    <a:pt x="1645266" y="1410039"/>
+                  </a:lnTo>
+                  <a:lnTo>
+                    <a:pt x="1680442" y="1353146"/>
+                  </a:lnTo>
+                  <a:lnTo>
+                    <a:pt x="1713652" y="1295083"/>
+                  </a:lnTo>
+                  <a:lnTo>
+                    <a:pt x="1744857" y="1235918"/>
+                  </a:lnTo>
+                  <a:lnTo>
+                    <a:pt x="1774019" y="1175721"/>
+                  </a:lnTo>
+                  <a:lnTo>
+                    <a:pt x="1801106" y="1114561"/>
+                  </a:lnTo>
+                  <a:lnTo>
+                    <a:pt x="1826085" y="1052511"/>
+                  </a:lnTo>
+                  <a:lnTo>
+                    <a:pt x="1848926" y="989642"/>
+                  </a:lnTo>
+                  <a:lnTo>
+                    <a:pt x="1869604" y="926029"/>
+                  </a:lnTo>
+                  <a:lnTo>
+                    <a:pt x="1888095" y="861746"/>
+                  </a:lnTo>
+                  <a:lnTo>
+                    <a:pt x="1904375" y="796868"/>
+                  </a:lnTo>
+                  <a:lnTo>
+                    <a:pt x="1918427" y="731471"/>
+                  </a:lnTo>
+                  <a:lnTo>
+                    <a:pt x="1930234" y="665632"/>
+                  </a:lnTo>
+                  <a:lnTo>
+                    <a:pt x="1939782" y="599427"/>
+                  </a:lnTo>
+                  <a:lnTo>
+                    <a:pt x="1947060" y="532935"/>
+                  </a:lnTo>
+                  <a:lnTo>
+                    <a:pt x="1952059" y="466232"/>
+                  </a:lnTo>
+                  <a:lnTo>
+                    <a:pt x="1954774" y="399398"/>
+                  </a:lnTo>
+                  <a:lnTo>
+                    <a:pt x="1955202" y="332510"/>
+                  </a:lnTo>
+                  <a:lnTo>
+                    <a:pt x="1953341" y="265646"/>
+                  </a:lnTo>
+                  <a:lnTo>
+                    <a:pt x="1949194" y="198885"/>
+                  </a:lnTo>
+                  <a:lnTo>
+                    <a:pt x="1942766" y="132305"/>
+                  </a:lnTo>
+                  <a:lnTo>
+                    <a:pt x="1934065" y="65984"/>
+                  </a:lnTo>
+                  <a:lnTo>
+                    <a:pt x="1923100" y="0"/>
+                  </a:lnTo>
+                  <a:lnTo>
+                    <a:pt x="1856787" y="12188"/>
+                  </a:lnTo>
+                  <a:lnTo>
+                    <a:pt x="1790473" y="24376"/>
+                  </a:lnTo>
+                  <a:lnTo>
+                    <a:pt x="1724159" y="36565"/>
+                  </a:lnTo>
+                  <a:lnTo>
+                    <a:pt x="1657845" y="48753"/>
+                  </a:lnTo>
+                  <a:lnTo>
+                    <a:pt x="1591531" y="60942"/>
+                  </a:lnTo>
+                  <a:lnTo>
+                    <a:pt x="1525218" y="73130"/>
+                  </a:lnTo>
+                  <a:lnTo>
+                    <a:pt x="1458904" y="85318"/>
+                  </a:lnTo>
+                  <a:lnTo>
+                    <a:pt x="1392590" y="97507"/>
+                  </a:lnTo>
+                  <a:lnTo>
+                    <a:pt x="1326276" y="109695"/>
+                  </a:lnTo>
+                  <a:lnTo>
+                    <a:pt x="1259962" y="121884"/>
+                  </a:lnTo>
+                  <a:lnTo>
+                    <a:pt x="1193648" y="134072"/>
+                  </a:lnTo>
+                  <a:lnTo>
+                    <a:pt x="1127335" y="146260"/>
+                  </a:lnTo>
+                  <a:lnTo>
+                    <a:pt x="1061021" y="158449"/>
+                  </a:lnTo>
+                  <a:lnTo>
+                    <a:pt x="994707" y="170637"/>
+                  </a:lnTo>
+                  <a:lnTo>
+                    <a:pt x="928393" y="182826"/>
+                  </a:lnTo>
+                  <a:lnTo>
+                    <a:pt x="862079" y="195014"/>
+                  </a:lnTo>
+                  <a:lnTo>
+                    <a:pt x="795765" y="207202"/>
+                  </a:lnTo>
+                  <a:lnTo>
+                    <a:pt x="729452" y="219391"/>
+                  </a:lnTo>
+                  <a:lnTo>
+                    <a:pt x="663138" y="231579"/>
+                  </a:lnTo>
+                  <a:lnTo>
+                    <a:pt x="596824" y="243768"/>
+                  </a:lnTo>
+                  <a:lnTo>
+                    <a:pt x="530510" y="255956"/>
+                  </a:lnTo>
+                  <a:lnTo>
+                    <a:pt x="464196" y="268144"/>
+                  </a:lnTo>
+                  <a:lnTo>
+                    <a:pt x="397882" y="280333"/>
+                  </a:lnTo>
+                  <a:lnTo>
+                    <a:pt x="331569" y="292521"/>
+                  </a:lnTo>
+                  <a:lnTo>
+                    <a:pt x="265255" y="304710"/>
+                  </a:lnTo>
+                  <a:lnTo>
+                    <a:pt x="198941" y="316898"/>
+                  </a:lnTo>
+                  <a:lnTo>
+                    <a:pt x="132627" y="329086"/>
+                  </a:lnTo>
+                  <a:lnTo>
+                    <a:pt x="66313" y="341275"/>
                   </a:lnTo>
                   <a:close/>
                 </a:path>
@@ -4981,306 +5156,306 @@
           </p:nvSpPr>
           <p:spPr>
             <a:xfrm>
-              <a:off x="2661779" y="4060984"/>
-              <a:ext cx="2246921" cy="2078156"/>
+              <a:off x="2776959" y="3907330"/>
+              <a:ext cx="2114021" cy="1955238"/>
             </a:xfrm>
             <a:custGeom>
               <a:avLst/>
               <a:pathLst>
-                <a:path w="2246921" h="2078156">
+                <a:path w="2114021" h="1955238">
                   <a:moveTo>
-                    <a:pt x="1947329" y="0"/>
+                    <a:pt x="1832149" y="0"/>
                   </a:moveTo>
                   <a:lnTo>
-                    <a:pt x="1880179" y="25032"/>
-                  </a:lnTo>
-                  <a:lnTo>
-                    <a:pt x="1813030" y="50064"/>
-                  </a:lnTo>
-                  <a:lnTo>
-                    <a:pt x="1745881" y="75096"/>
-                  </a:lnTo>
-                  <a:lnTo>
-                    <a:pt x="1678731" y="100128"/>
-                  </a:lnTo>
-                  <a:lnTo>
-                    <a:pt x="1611582" y="125160"/>
-                  </a:lnTo>
-                  <a:lnTo>
-                    <a:pt x="1544433" y="150193"/>
-                  </a:lnTo>
-                  <a:lnTo>
-                    <a:pt x="1477284" y="175225"/>
-                  </a:lnTo>
-                  <a:lnTo>
-                    <a:pt x="1410134" y="200257"/>
-                  </a:lnTo>
-                  <a:lnTo>
-                    <a:pt x="1342985" y="225289"/>
-                  </a:lnTo>
-                  <a:lnTo>
-                    <a:pt x="1275836" y="250321"/>
-                  </a:lnTo>
-                  <a:lnTo>
-                    <a:pt x="1208686" y="275353"/>
-                  </a:lnTo>
-                  <a:lnTo>
-                    <a:pt x="1141537" y="300386"/>
-                  </a:lnTo>
-                  <a:lnTo>
-                    <a:pt x="1074388" y="325418"/>
-                  </a:lnTo>
-                  <a:lnTo>
-                    <a:pt x="1007239" y="350450"/>
-                  </a:lnTo>
-                  <a:lnTo>
-                    <a:pt x="940089" y="375482"/>
-                  </a:lnTo>
-                  <a:lnTo>
-                    <a:pt x="872940" y="400514"/>
-                  </a:lnTo>
-                  <a:lnTo>
-                    <a:pt x="805791" y="425546"/>
-                  </a:lnTo>
-                  <a:lnTo>
-                    <a:pt x="738642" y="450579"/>
-                  </a:lnTo>
-                  <a:lnTo>
-                    <a:pt x="671492" y="475611"/>
-                  </a:lnTo>
-                  <a:lnTo>
-                    <a:pt x="604343" y="500643"/>
-                  </a:lnTo>
-                  <a:lnTo>
-                    <a:pt x="537194" y="525675"/>
-                  </a:lnTo>
-                  <a:lnTo>
-                    <a:pt x="470044" y="550707"/>
-                  </a:lnTo>
-                  <a:lnTo>
-                    <a:pt x="402895" y="575740"/>
-                  </a:lnTo>
-                  <a:lnTo>
-                    <a:pt x="335746" y="600772"/>
-                  </a:lnTo>
-                  <a:lnTo>
-                    <a:pt x="268597" y="625804"/>
-                  </a:lnTo>
-                  <a:lnTo>
-                    <a:pt x="201447" y="650836"/>
-                  </a:lnTo>
-                  <a:lnTo>
-                    <a:pt x="134298" y="675868"/>
-                  </a:lnTo>
-                  <a:lnTo>
-                    <a:pt x="67149" y="700900"/>
-                  </a:lnTo>
-                  <a:lnTo>
-                    <a:pt x="0" y="725933"/>
-                  </a:lnTo>
-                  <a:lnTo>
-                    <a:pt x="25775" y="791644"/>
-                  </a:lnTo>
-                  <a:lnTo>
-                    <a:pt x="53767" y="856442"/>
-                  </a:lnTo>
-                  <a:lnTo>
-                    <a:pt x="83943" y="920252"/>
-                  </a:lnTo>
-                  <a:lnTo>
-                    <a:pt x="116269" y="983000"/>
-                  </a:lnTo>
-                  <a:lnTo>
-                    <a:pt x="150707" y="1044614"/>
-                  </a:lnTo>
-                  <a:lnTo>
-                    <a:pt x="187218" y="1105024"/>
-                  </a:lnTo>
-                  <a:lnTo>
-                    <a:pt x="225759" y="1164158"/>
-                  </a:lnTo>
-                  <a:lnTo>
-                    <a:pt x="266285" y="1221950"/>
-                  </a:lnTo>
-                  <a:lnTo>
-                    <a:pt x="308752" y="1278332"/>
-                  </a:lnTo>
-                  <a:lnTo>
-                    <a:pt x="353108" y="1333240"/>
-                  </a:lnTo>
-                  <a:lnTo>
-                    <a:pt x="399303" y="1386609"/>
-                  </a:lnTo>
-                  <a:lnTo>
-                    <a:pt x="447284" y="1438379"/>
-                  </a:lnTo>
-                  <a:lnTo>
-                    <a:pt x="496996" y="1488490"/>
-                  </a:lnTo>
-                  <a:lnTo>
-                    <a:pt x="548380" y="1536884"/>
-                  </a:lnTo>
-                  <a:lnTo>
-                    <a:pt x="601379" y="1583505"/>
-                  </a:lnTo>
-                  <a:lnTo>
-                    <a:pt x="655930" y="1628299"/>
-                  </a:lnTo>
-                  <a:lnTo>
-                    <a:pt x="711970" y="1671214"/>
-                  </a:lnTo>
-                  <a:lnTo>
-                    <a:pt x="769436" y="1712202"/>
-                  </a:lnTo>
-                  <a:lnTo>
-                    <a:pt x="828261" y="1751215"/>
-                  </a:lnTo>
-                  <a:lnTo>
-                    <a:pt x="888376" y="1788208"/>
-                  </a:lnTo>
-                  <a:lnTo>
-                    <a:pt x="949713" y="1823138"/>
-                  </a:lnTo>
-                  <a:lnTo>
-                    <a:pt x="1012201" y="1855964"/>
-                  </a:lnTo>
-                  <a:lnTo>
-                    <a:pt x="1075767" y="1886650"/>
-                  </a:lnTo>
-                  <a:lnTo>
-                    <a:pt x="1140339" y="1915159"/>
-                  </a:lnTo>
-                  <a:lnTo>
-                    <a:pt x="1205842" y="1941460"/>
-                  </a:lnTo>
-                  <a:lnTo>
-                    <a:pt x="1272200" y="1965520"/>
-                  </a:lnTo>
-                  <a:lnTo>
-                    <a:pt x="1339337" y="1987313"/>
-                  </a:lnTo>
-                  <a:lnTo>
-                    <a:pt x="1407176" y="2006814"/>
-                  </a:lnTo>
-                  <a:lnTo>
-                    <a:pt x="1475637" y="2024000"/>
-                  </a:lnTo>
-                  <a:lnTo>
-                    <a:pt x="1544643" y="2038850"/>
-                  </a:lnTo>
-                  <a:lnTo>
-                    <a:pt x="1614113" y="2051349"/>
-                  </a:lnTo>
-                  <a:lnTo>
-                    <a:pt x="1683967" y="2061482"/>
-                  </a:lnTo>
-                  <a:lnTo>
-                    <a:pt x="1754126" y="2069237"/>
-                  </a:lnTo>
-                  <a:lnTo>
-                    <a:pt x="1824507" y="2074604"/>
-                  </a:lnTo>
-                  <a:lnTo>
-                    <a:pt x="1895030" y="2077578"/>
-                  </a:lnTo>
-                  <a:lnTo>
-                    <a:pt x="1965613" y="2078156"/>
-                  </a:lnTo>
-                  <a:lnTo>
-                    <a:pt x="2036175" y="2076337"/>
-                  </a:lnTo>
-                  <a:lnTo>
-                    <a:pt x="2106634" y="2072122"/>
-                  </a:lnTo>
-                  <a:lnTo>
-                    <a:pt x="2176910" y="2065517"/>
-                  </a:lnTo>
-                  <a:lnTo>
-                    <a:pt x="2246921" y="2056529"/>
-                  </a:lnTo>
-                  <a:lnTo>
-                    <a:pt x="2236590" y="1985614"/>
-                  </a:lnTo>
-                  <a:lnTo>
-                    <a:pt x="2226260" y="1914699"/>
-                  </a:lnTo>
-                  <a:lnTo>
-                    <a:pt x="2215929" y="1843785"/>
-                  </a:lnTo>
-                  <a:lnTo>
-                    <a:pt x="2205598" y="1772870"/>
-                  </a:lnTo>
-                  <a:lnTo>
-                    <a:pt x="2195267" y="1701955"/>
-                  </a:lnTo>
-                  <a:lnTo>
-                    <a:pt x="2184937" y="1631040"/>
-                  </a:lnTo>
-                  <a:lnTo>
-                    <a:pt x="2174606" y="1560125"/>
-                  </a:lnTo>
-                  <a:lnTo>
-                    <a:pt x="2164275" y="1489210"/>
-                  </a:lnTo>
-                  <a:lnTo>
-                    <a:pt x="2153944" y="1418296"/>
-                  </a:lnTo>
-                  <a:lnTo>
-                    <a:pt x="2143613" y="1347381"/>
-                  </a:lnTo>
-                  <a:lnTo>
-                    <a:pt x="2133283" y="1276466"/>
-                  </a:lnTo>
-                  <a:lnTo>
-                    <a:pt x="2122952" y="1205551"/>
-                  </a:lnTo>
-                  <a:lnTo>
-                    <a:pt x="2112621" y="1134636"/>
-                  </a:lnTo>
-                  <a:lnTo>
-                    <a:pt x="2102290" y="1063722"/>
-                  </a:lnTo>
-                  <a:lnTo>
-                    <a:pt x="2091959" y="992807"/>
-                  </a:lnTo>
-                  <a:lnTo>
-                    <a:pt x="2081629" y="921892"/>
-                  </a:lnTo>
-                  <a:lnTo>
-                    <a:pt x="2071298" y="850977"/>
-                  </a:lnTo>
-                  <a:lnTo>
-                    <a:pt x="2060967" y="780062"/>
-                  </a:lnTo>
-                  <a:lnTo>
-                    <a:pt x="2050636" y="709148"/>
-                  </a:lnTo>
-                  <a:lnTo>
-                    <a:pt x="2040306" y="638233"/>
-                  </a:lnTo>
-                  <a:lnTo>
-                    <a:pt x="2029975" y="567318"/>
-                  </a:lnTo>
-                  <a:lnTo>
-                    <a:pt x="2019644" y="496403"/>
-                  </a:lnTo>
-                  <a:lnTo>
-                    <a:pt x="2009313" y="425488"/>
-                  </a:lnTo>
-                  <a:lnTo>
-                    <a:pt x="1998982" y="354574"/>
-                  </a:lnTo>
-                  <a:lnTo>
-                    <a:pt x="1988652" y="283659"/>
-                  </a:lnTo>
-                  <a:lnTo>
-                    <a:pt x="1978321" y="212744"/>
-                  </a:lnTo>
-                  <a:lnTo>
-                    <a:pt x="1967990" y="141829"/>
-                  </a:lnTo>
-                  <a:lnTo>
-                    <a:pt x="1957659" y="70914"/>
+                    <a:pt x="1768971" y="23551"/>
+                  </a:lnTo>
+                  <a:lnTo>
+                    <a:pt x="1705794" y="47103"/>
+                  </a:lnTo>
+                  <a:lnTo>
+                    <a:pt x="1642616" y="70654"/>
+                  </a:lnTo>
+                  <a:lnTo>
+                    <a:pt x="1579438" y="94206"/>
+                  </a:lnTo>
+                  <a:lnTo>
+                    <a:pt x="1516261" y="117757"/>
+                  </a:lnTo>
+                  <a:lnTo>
+                    <a:pt x="1453083" y="141309"/>
+                  </a:lnTo>
+                  <a:lnTo>
+                    <a:pt x="1389906" y="164861"/>
+                  </a:lnTo>
+                  <a:lnTo>
+                    <a:pt x="1326728" y="188412"/>
+                  </a:lnTo>
+                  <a:lnTo>
+                    <a:pt x="1263551" y="211964"/>
+                  </a:lnTo>
+                  <a:lnTo>
+                    <a:pt x="1200373" y="235515"/>
+                  </a:lnTo>
+                  <a:lnTo>
+                    <a:pt x="1137196" y="259067"/>
+                  </a:lnTo>
+                  <a:lnTo>
+                    <a:pt x="1074018" y="282618"/>
+                  </a:lnTo>
+                  <a:lnTo>
+                    <a:pt x="1010840" y="306170"/>
+                  </a:lnTo>
+                  <a:lnTo>
+                    <a:pt x="947663" y="329722"/>
+                  </a:lnTo>
+                  <a:lnTo>
+                    <a:pt x="884485" y="353273"/>
+                  </a:lnTo>
+                  <a:lnTo>
+                    <a:pt x="821308" y="376825"/>
+                  </a:lnTo>
+                  <a:lnTo>
+                    <a:pt x="758130" y="400376"/>
+                  </a:lnTo>
+                  <a:lnTo>
+                    <a:pt x="694953" y="423928"/>
+                  </a:lnTo>
+                  <a:lnTo>
+                    <a:pt x="631775" y="447480"/>
+                  </a:lnTo>
+                  <a:lnTo>
+                    <a:pt x="568598" y="471031"/>
+                  </a:lnTo>
+                  <a:lnTo>
+                    <a:pt x="505420" y="494583"/>
+                  </a:lnTo>
+                  <a:lnTo>
+                    <a:pt x="442242" y="518134"/>
+                  </a:lnTo>
+                  <a:lnTo>
+                    <a:pt x="379065" y="541686"/>
+                  </a:lnTo>
+                  <a:lnTo>
+                    <a:pt x="315887" y="565237"/>
+                  </a:lnTo>
+                  <a:lnTo>
+                    <a:pt x="252710" y="588789"/>
+                  </a:lnTo>
+                  <a:lnTo>
+                    <a:pt x="189532" y="612341"/>
+                  </a:lnTo>
+                  <a:lnTo>
+                    <a:pt x="126355" y="635892"/>
+                  </a:lnTo>
+                  <a:lnTo>
+                    <a:pt x="63177" y="659444"/>
+                  </a:lnTo>
+                  <a:lnTo>
+                    <a:pt x="0" y="682995"/>
+                  </a:lnTo>
+                  <a:lnTo>
+                    <a:pt x="24250" y="744820"/>
+                  </a:lnTo>
+                  <a:lnTo>
+                    <a:pt x="50587" y="805785"/>
+                  </a:lnTo>
+                  <a:lnTo>
+                    <a:pt x="78978" y="865821"/>
+                  </a:lnTo>
+                  <a:lnTo>
+                    <a:pt x="109392" y="924858"/>
+                  </a:lnTo>
+                  <a:lnTo>
+                    <a:pt x="141793" y="982828"/>
+                  </a:lnTo>
+                  <a:lnTo>
+                    <a:pt x="176144" y="1039664"/>
+                  </a:lnTo>
+                  <a:lnTo>
+                    <a:pt x="212405" y="1095301"/>
+                  </a:lnTo>
+                  <a:lnTo>
+                    <a:pt x="250535" y="1149675"/>
+                  </a:lnTo>
+                  <a:lnTo>
+                    <a:pt x="290490" y="1202722"/>
+                  </a:lnTo>
+                  <a:lnTo>
+                    <a:pt x="332222" y="1254382"/>
+                  </a:lnTo>
+                  <a:lnTo>
+                    <a:pt x="375685" y="1304595"/>
+                  </a:lnTo>
+                  <a:lnTo>
+                    <a:pt x="420829" y="1353303"/>
+                  </a:lnTo>
+                  <a:lnTo>
+                    <a:pt x="467600" y="1400449"/>
+                  </a:lnTo>
+                  <a:lnTo>
+                    <a:pt x="515945" y="1445981"/>
+                  </a:lnTo>
+                  <a:lnTo>
+                    <a:pt x="565809" y="1489844"/>
+                  </a:lnTo>
+                  <a:lnTo>
+                    <a:pt x="617133" y="1531989"/>
+                  </a:lnTo>
+                  <a:lnTo>
+                    <a:pt x="669859" y="1572366"/>
+                  </a:lnTo>
+                  <a:lnTo>
+                    <a:pt x="723926" y="1610930"/>
+                  </a:lnTo>
+                  <a:lnTo>
+                    <a:pt x="779271" y="1647635"/>
+                  </a:lnTo>
+                  <a:lnTo>
+                    <a:pt x="835831" y="1682440"/>
+                  </a:lnTo>
+                  <a:lnTo>
+                    <a:pt x="893540" y="1715303"/>
+                  </a:lnTo>
+                  <a:lnTo>
+                    <a:pt x="952332" y="1746188"/>
+                  </a:lnTo>
+                  <a:lnTo>
+                    <a:pt x="1012138" y="1775059"/>
+                  </a:lnTo>
+                  <a:lnTo>
+                    <a:pt x="1072891" y="1801882"/>
+                  </a:lnTo>
+                  <a:lnTo>
+                    <a:pt x="1134519" y="1826627"/>
+                  </a:lnTo>
+                  <a:lnTo>
+                    <a:pt x="1196953" y="1849264"/>
+                  </a:lnTo>
+                  <a:lnTo>
+                    <a:pt x="1260119" y="1869768"/>
+                  </a:lnTo>
+                  <a:lnTo>
+                    <a:pt x="1323945" y="1888116"/>
+                  </a:lnTo>
+                  <a:lnTo>
+                    <a:pt x="1388357" y="1904285"/>
+                  </a:lnTo>
+                  <a:lnTo>
+                    <a:pt x="1453281" y="1918257"/>
+                  </a:lnTo>
+                  <a:lnTo>
+                    <a:pt x="1518642" y="1930017"/>
+                  </a:lnTo>
+                  <a:lnTo>
+                    <a:pt x="1584365" y="1939550"/>
+                  </a:lnTo>
+                  <a:lnTo>
+                    <a:pt x="1650373" y="1946846"/>
+                  </a:lnTo>
+                  <a:lnTo>
+                    <a:pt x="1716591" y="1951896"/>
+                  </a:lnTo>
+                  <a:lnTo>
+                    <a:pt x="1782943" y="1954695"/>
+                  </a:lnTo>
+                  <a:lnTo>
+                    <a:pt x="1849351" y="1955238"/>
+                  </a:lnTo>
+                  <a:lnTo>
+                    <a:pt x="1915740" y="1953526"/>
+                  </a:lnTo>
+                  <a:lnTo>
+                    <a:pt x="1982032" y="1949561"/>
+                  </a:lnTo>
+                  <a:lnTo>
+                    <a:pt x="2048151" y="1943346"/>
+                  </a:lnTo>
+                  <a:lnTo>
+                    <a:pt x="2114021" y="1934890"/>
+                  </a:lnTo>
+                  <a:lnTo>
+                    <a:pt x="2104301" y="1868170"/>
+                  </a:lnTo>
+                  <a:lnTo>
+                    <a:pt x="2094582" y="1801449"/>
+                  </a:lnTo>
+                  <a:lnTo>
+                    <a:pt x="2084862" y="1734729"/>
+                  </a:lnTo>
+                  <a:lnTo>
+                    <a:pt x="2075142" y="1668009"/>
+                  </a:lnTo>
+                  <a:lnTo>
+                    <a:pt x="2065422" y="1601288"/>
+                  </a:lnTo>
+                  <a:lnTo>
+                    <a:pt x="2055703" y="1534568"/>
+                  </a:lnTo>
+                  <a:lnTo>
+                    <a:pt x="2045983" y="1467848"/>
+                  </a:lnTo>
+                  <a:lnTo>
+                    <a:pt x="2036263" y="1401127"/>
+                  </a:lnTo>
+                  <a:lnTo>
+                    <a:pt x="2026544" y="1334407"/>
+                  </a:lnTo>
+                  <a:lnTo>
+                    <a:pt x="2016824" y="1267686"/>
+                  </a:lnTo>
+                  <a:lnTo>
+                    <a:pt x="2007104" y="1200966"/>
+                  </a:lnTo>
+                  <a:lnTo>
+                    <a:pt x="1997384" y="1134246"/>
+                  </a:lnTo>
+                  <a:lnTo>
+                    <a:pt x="1987665" y="1067525"/>
+                  </a:lnTo>
+                  <a:lnTo>
+                    <a:pt x="1977945" y="1000805"/>
+                  </a:lnTo>
+                  <a:lnTo>
+                    <a:pt x="1968225" y="934085"/>
+                  </a:lnTo>
+                  <a:lnTo>
+                    <a:pt x="1958505" y="867364"/>
+                  </a:lnTo>
+                  <a:lnTo>
+                    <a:pt x="1948786" y="800644"/>
+                  </a:lnTo>
+                  <a:lnTo>
+                    <a:pt x="1939066" y="733924"/>
+                  </a:lnTo>
+                  <a:lnTo>
+                    <a:pt x="1929346" y="667203"/>
+                  </a:lnTo>
+                  <a:lnTo>
+                    <a:pt x="1919626" y="600483"/>
+                  </a:lnTo>
+                  <a:lnTo>
+                    <a:pt x="1909907" y="533762"/>
+                  </a:lnTo>
+                  <a:lnTo>
+                    <a:pt x="1900187" y="467042"/>
+                  </a:lnTo>
+                  <a:lnTo>
+                    <a:pt x="1890467" y="400322"/>
+                  </a:lnTo>
+                  <a:lnTo>
+                    <a:pt x="1880747" y="333601"/>
+                  </a:lnTo>
+                  <a:lnTo>
+                    <a:pt x="1871028" y="266881"/>
+                  </a:lnTo>
+                  <a:lnTo>
+                    <a:pt x="1861308" y="200161"/>
+                  </a:lnTo>
+                  <a:lnTo>
+                    <a:pt x="1851588" y="133440"/>
+                  </a:lnTo>
+                  <a:lnTo>
+                    <a:pt x="1841868" y="66720"/>
                   </a:lnTo>
                   <a:close/>
                 </a:path>
@@ -5315,249 +5490,249 @@
           </p:nvSpPr>
           <p:spPr>
             <a:xfrm>
-              <a:off x="2531037" y="3317264"/>
-              <a:ext cx="2078071" cy="1469652"/>
+              <a:off x="2653950" y="3207600"/>
+              <a:ext cx="1955158" cy="1382726"/>
             </a:xfrm>
             <a:custGeom>
               <a:avLst/>
               <a:pathLst>
-                <a:path w="2078071" h="1469652">
+                <a:path w="1955158" h="1382726">
                   <a:moveTo>
-                    <a:pt x="2078071" y="743719"/>
+                    <a:pt x="1955158" y="699730"/>
                   </a:moveTo>
                   <a:lnTo>
-                    <a:pt x="2011153" y="718074"/>
-                  </a:lnTo>
-                  <a:lnTo>
-                    <a:pt x="1944236" y="692428"/>
-                  </a:lnTo>
-                  <a:lnTo>
-                    <a:pt x="1877318" y="666783"/>
-                  </a:lnTo>
-                  <a:lnTo>
-                    <a:pt x="1810401" y="641137"/>
-                  </a:lnTo>
-                  <a:lnTo>
-                    <a:pt x="1743484" y="615492"/>
-                  </a:lnTo>
-                  <a:lnTo>
-                    <a:pt x="1676566" y="589846"/>
-                  </a:lnTo>
-                  <a:lnTo>
-                    <a:pt x="1609649" y="564201"/>
-                  </a:lnTo>
-                  <a:lnTo>
-                    <a:pt x="1542731" y="538555"/>
-                  </a:lnTo>
-                  <a:lnTo>
-                    <a:pt x="1475814" y="512910"/>
-                  </a:lnTo>
-                  <a:lnTo>
-                    <a:pt x="1408896" y="487264"/>
-                  </a:lnTo>
-                  <a:lnTo>
-                    <a:pt x="1341979" y="461619"/>
-                  </a:lnTo>
-                  <a:lnTo>
-                    <a:pt x="1275061" y="435973"/>
-                  </a:lnTo>
-                  <a:lnTo>
-                    <a:pt x="1208144" y="410328"/>
-                  </a:lnTo>
-                  <a:lnTo>
-                    <a:pt x="1141227" y="384682"/>
-                  </a:lnTo>
-                  <a:lnTo>
-                    <a:pt x="1074309" y="359037"/>
-                  </a:lnTo>
-                  <a:lnTo>
-                    <a:pt x="1007392" y="333391"/>
-                  </a:lnTo>
-                  <a:lnTo>
-                    <a:pt x="940474" y="307746"/>
-                  </a:lnTo>
-                  <a:lnTo>
-                    <a:pt x="873557" y="282100"/>
-                  </a:lnTo>
-                  <a:lnTo>
-                    <a:pt x="806639" y="256455"/>
-                  </a:lnTo>
-                  <a:lnTo>
-                    <a:pt x="739722" y="230809"/>
-                  </a:lnTo>
-                  <a:lnTo>
-                    <a:pt x="672805" y="205164"/>
-                  </a:lnTo>
-                  <a:lnTo>
-                    <a:pt x="605887" y="179518"/>
-                  </a:lnTo>
-                  <a:lnTo>
-                    <a:pt x="538970" y="153873"/>
-                  </a:lnTo>
-                  <a:lnTo>
-                    <a:pt x="472052" y="128227"/>
-                  </a:lnTo>
-                  <a:lnTo>
-                    <a:pt x="405135" y="102582"/>
-                  </a:lnTo>
-                  <a:lnTo>
-                    <a:pt x="338217" y="76936"/>
-                  </a:lnTo>
-                  <a:lnTo>
-                    <a:pt x="271300" y="51291"/>
-                  </a:lnTo>
-                  <a:lnTo>
-                    <a:pt x="204383" y="25645"/>
-                  </a:lnTo>
-                  <a:lnTo>
-                    <a:pt x="137465" y="0"/>
-                  </a:lnTo>
-                  <a:lnTo>
-                    <a:pt x="113021" y="67221"/>
-                  </a:lnTo>
-                  <a:lnTo>
-                    <a:pt x="90905" y="135244"/>
-                  </a:lnTo>
-                  <a:lnTo>
-                    <a:pt x="71143" y="203987"/>
-                  </a:lnTo>
-                  <a:lnTo>
-                    <a:pt x="53758" y="273370"/>
-                  </a:lnTo>
-                  <a:lnTo>
-                    <a:pt x="38771" y="343310"/>
-                  </a:lnTo>
-                  <a:lnTo>
-                    <a:pt x="26200" y="413724"/>
-                  </a:lnTo>
-                  <a:lnTo>
-                    <a:pt x="16060" y="484529"/>
-                  </a:lnTo>
-                  <a:lnTo>
-                    <a:pt x="8362" y="555641"/>
-                  </a:lnTo>
-                  <a:lnTo>
-                    <a:pt x="3115" y="626976"/>
-                  </a:lnTo>
-                  <a:lnTo>
-                    <a:pt x="327" y="698450"/>
-                  </a:lnTo>
-                  <a:lnTo>
-                    <a:pt x="0" y="769977"/>
-                  </a:lnTo>
-                  <a:lnTo>
-                    <a:pt x="2134" y="841472"/>
-                  </a:lnTo>
-                  <a:lnTo>
-                    <a:pt x="6727" y="912852"/>
-                  </a:lnTo>
-                  <a:lnTo>
-                    <a:pt x="13774" y="984032"/>
-                  </a:lnTo>
-                  <a:lnTo>
-                    <a:pt x="23267" y="1054927"/>
-                  </a:lnTo>
-                  <a:lnTo>
-                    <a:pt x="35193" y="1125453"/>
-                  </a:lnTo>
-                  <a:lnTo>
-                    <a:pt x="49540" y="1195528"/>
-                  </a:lnTo>
-                  <a:lnTo>
-                    <a:pt x="66289" y="1265067"/>
-                  </a:lnTo>
-                  <a:lnTo>
-                    <a:pt x="85421" y="1333988"/>
-                  </a:lnTo>
-                  <a:lnTo>
-                    <a:pt x="106914" y="1402210"/>
-                  </a:lnTo>
-                  <a:lnTo>
-                    <a:pt x="130742" y="1469652"/>
-                  </a:lnTo>
-                  <a:lnTo>
-                    <a:pt x="197891" y="1444620"/>
-                  </a:lnTo>
-                  <a:lnTo>
-                    <a:pt x="265040" y="1419588"/>
-                  </a:lnTo>
-                  <a:lnTo>
-                    <a:pt x="332189" y="1394556"/>
-                  </a:lnTo>
-                  <a:lnTo>
-                    <a:pt x="399339" y="1369524"/>
-                  </a:lnTo>
-                  <a:lnTo>
-                    <a:pt x="466488" y="1344492"/>
-                  </a:lnTo>
-                  <a:lnTo>
-                    <a:pt x="533637" y="1319459"/>
-                  </a:lnTo>
-                  <a:lnTo>
-                    <a:pt x="600787" y="1294427"/>
-                  </a:lnTo>
-                  <a:lnTo>
-                    <a:pt x="667936" y="1269395"/>
-                  </a:lnTo>
-                  <a:lnTo>
-                    <a:pt x="735085" y="1244363"/>
-                  </a:lnTo>
-                  <a:lnTo>
-                    <a:pt x="802234" y="1219331"/>
-                  </a:lnTo>
-                  <a:lnTo>
-                    <a:pt x="869384" y="1194298"/>
-                  </a:lnTo>
-                  <a:lnTo>
-                    <a:pt x="936533" y="1169266"/>
-                  </a:lnTo>
-                  <a:lnTo>
-                    <a:pt x="1003682" y="1144234"/>
-                  </a:lnTo>
-                  <a:lnTo>
-                    <a:pt x="1070832" y="1119202"/>
-                  </a:lnTo>
-                  <a:lnTo>
-                    <a:pt x="1137981" y="1094170"/>
-                  </a:lnTo>
-                  <a:lnTo>
-                    <a:pt x="1205130" y="1069138"/>
-                  </a:lnTo>
-                  <a:lnTo>
-                    <a:pt x="1272279" y="1044105"/>
-                  </a:lnTo>
-                  <a:lnTo>
-                    <a:pt x="1339429" y="1019073"/>
-                  </a:lnTo>
-                  <a:lnTo>
-                    <a:pt x="1406578" y="994041"/>
-                  </a:lnTo>
-                  <a:lnTo>
-                    <a:pt x="1473727" y="969009"/>
-                  </a:lnTo>
-                  <a:lnTo>
-                    <a:pt x="1540876" y="943977"/>
-                  </a:lnTo>
-                  <a:lnTo>
-                    <a:pt x="1608026" y="918945"/>
-                  </a:lnTo>
-                  <a:lnTo>
-                    <a:pt x="1675175" y="893912"/>
-                  </a:lnTo>
-                  <a:lnTo>
-                    <a:pt x="1742324" y="868880"/>
-                  </a:lnTo>
-                  <a:lnTo>
-                    <a:pt x="1809474" y="843848"/>
-                  </a:lnTo>
-                  <a:lnTo>
-                    <a:pt x="1876623" y="818816"/>
-                  </a:lnTo>
-                  <a:lnTo>
-                    <a:pt x="1943772" y="793784"/>
-                  </a:lnTo>
-                  <a:lnTo>
-                    <a:pt x="2010921" y="768751"/>
+                    <a:pt x="1892198" y="675601"/>
+                  </a:lnTo>
+                  <a:lnTo>
+                    <a:pt x="1829239" y="651473"/>
+                  </a:lnTo>
+                  <a:lnTo>
+                    <a:pt x="1766279" y="627344"/>
+                  </a:lnTo>
+                  <a:lnTo>
+                    <a:pt x="1703320" y="603216"/>
+                  </a:lnTo>
+                  <a:lnTo>
+                    <a:pt x="1640361" y="579087"/>
+                  </a:lnTo>
+                  <a:lnTo>
+                    <a:pt x="1577401" y="554958"/>
+                  </a:lnTo>
+                  <a:lnTo>
+                    <a:pt x="1514442" y="530830"/>
+                  </a:lnTo>
+                  <a:lnTo>
+                    <a:pt x="1451482" y="506701"/>
+                  </a:lnTo>
+                  <a:lnTo>
+                    <a:pt x="1388523" y="482572"/>
+                  </a:lnTo>
+                  <a:lnTo>
+                    <a:pt x="1325563" y="458444"/>
+                  </a:lnTo>
+                  <a:lnTo>
+                    <a:pt x="1262604" y="434315"/>
+                  </a:lnTo>
+                  <a:lnTo>
+                    <a:pt x="1199645" y="410186"/>
+                  </a:lnTo>
+                  <a:lnTo>
+                    <a:pt x="1136685" y="386058"/>
+                  </a:lnTo>
+                  <a:lnTo>
+                    <a:pt x="1073726" y="361929"/>
+                  </a:lnTo>
+                  <a:lnTo>
+                    <a:pt x="1010766" y="337800"/>
+                  </a:lnTo>
+                  <a:lnTo>
+                    <a:pt x="947807" y="313672"/>
+                  </a:lnTo>
+                  <a:lnTo>
+                    <a:pt x="884847" y="289543"/>
+                  </a:lnTo>
+                  <a:lnTo>
+                    <a:pt x="821888" y="265415"/>
+                  </a:lnTo>
+                  <a:lnTo>
+                    <a:pt x="758929" y="241286"/>
+                  </a:lnTo>
+                  <a:lnTo>
+                    <a:pt x="695969" y="217157"/>
+                  </a:lnTo>
+                  <a:lnTo>
+                    <a:pt x="633010" y="193029"/>
+                  </a:lnTo>
+                  <a:lnTo>
+                    <a:pt x="570050" y="168900"/>
+                  </a:lnTo>
+                  <a:lnTo>
+                    <a:pt x="507091" y="144771"/>
+                  </a:lnTo>
+                  <a:lnTo>
+                    <a:pt x="444131" y="120643"/>
+                  </a:lnTo>
+                  <a:lnTo>
+                    <a:pt x="381172" y="96514"/>
+                  </a:lnTo>
+                  <a:lnTo>
+                    <a:pt x="318213" y="72385"/>
+                  </a:lnTo>
+                  <a:lnTo>
+                    <a:pt x="255253" y="48257"/>
+                  </a:lnTo>
+                  <a:lnTo>
+                    <a:pt x="192294" y="24128"/>
+                  </a:lnTo>
+                  <a:lnTo>
+                    <a:pt x="129334" y="0"/>
+                  </a:lnTo>
+                  <a:lnTo>
+                    <a:pt x="106336" y="63245"/>
+                  </a:lnTo>
+                  <a:lnTo>
+                    <a:pt x="85528" y="127244"/>
+                  </a:lnTo>
+                  <a:lnTo>
+                    <a:pt x="66935" y="191922"/>
+                  </a:lnTo>
+                  <a:lnTo>
+                    <a:pt x="50579" y="257201"/>
+                  </a:lnTo>
+                  <a:lnTo>
+                    <a:pt x="36478" y="323004"/>
+                  </a:lnTo>
+                  <a:lnTo>
+                    <a:pt x="24651" y="389253"/>
+                  </a:lnTo>
+                  <a:lnTo>
+                    <a:pt x="15110" y="455870"/>
+                  </a:lnTo>
+                  <a:lnTo>
+                    <a:pt x="7867" y="522777"/>
+                  </a:lnTo>
+                  <a:lnTo>
+                    <a:pt x="2931" y="589892"/>
+                  </a:lnTo>
+                  <a:lnTo>
+                    <a:pt x="307" y="657138"/>
+                  </a:lnTo>
+                  <a:lnTo>
+                    <a:pt x="0" y="724434"/>
+                  </a:lnTo>
+                  <a:lnTo>
+                    <a:pt x="2008" y="791701"/>
+                  </a:lnTo>
+                  <a:lnTo>
+                    <a:pt x="6329" y="858859"/>
+                  </a:lnTo>
+                  <a:lnTo>
+                    <a:pt x="12960" y="925829"/>
+                  </a:lnTo>
+                  <a:lnTo>
+                    <a:pt x="21891" y="992531"/>
+                  </a:lnTo>
+                  <a:lnTo>
+                    <a:pt x="33112" y="1058886"/>
+                  </a:lnTo>
+                  <a:lnTo>
+                    <a:pt x="46609" y="1124815"/>
+                  </a:lnTo>
+                  <a:lnTo>
+                    <a:pt x="62368" y="1190241"/>
+                  </a:lnTo>
+                  <a:lnTo>
+                    <a:pt x="80369" y="1255086"/>
+                  </a:lnTo>
+                  <a:lnTo>
+                    <a:pt x="100590" y="1319273"/>
+                  </a:lnTo>
+                  <a:lnTo>
+                    <a:pt x="123009" y="1382726"/>
+                  </a:lnTo>
+                  <a:lnTo>
+                    <a:pt x="186186" y="1359174"/>
+                  </a:lnTo>
+                  <a:lnTo>
+                    <a:pt x="249364" y="1335623"/>
+                  </a:lnTo>
+                  <a:lnTo>
+                    <a:pt x="312541" y="1312071"/>
+                  </a:lnTo>
+                  <a:lnTo>
+                    <a:pt x="375719" y="1288520"/>
+                  </a:lnTo>
+                  <a:lnTo>
+                    <a:pt x="438896" y="1264968"/>
+                  </a:lnTo>
+                  <a:lnTo>
+                    <a:pt x="502074" y="1241416"/>
+                  </a:lnTo>
+                  <a:lnTo>
+                    <a:pt x="565251" y="1217865"/>
+                  </a:lnTo>
+                  <a:lnTo>
+                    <a:pt x="628429" y="1194313"/>
+                  </a:lnTo>
+                  <a:lnTo>
+                    <a:pt x="691607" y="1170762"/>
+                  </a:lnTo>
+                  <a:lnTo>
+                    <a:pt x="754784" y="1147210"/>
+                  </a:lnTo>
+                  <a:lnTo>
+                    <a:pt x="817962" y="1123659"/>
+                  </a:lnTo>
+                  <a:lnTo>
+                    <a:pt x="881139" y="1100107"/>
+                  </a:lnTo>
+                  <a:lnTo>
+                    <a:pt x="944317" y="1076555"/>
+                  </a:lnTo>
+                  <a:lnTo>
+                    <a:pt x="1007494" y="1053004"/>
+                  </a:lnTo>
+                  <a:lnTo>
+                    <a:pt x="1070672" y="1029452"/>
+                  </a:lnTo>
+                  <a:lnTo>
+                    <a:pt x="1133849" y="1005901"/>
+                  </a:lnTo>
+                  <a:lnTo>
+                    <a:pt x="1197027" y="982349"/>
+                  </a:lnTo>
+                  <a:lnTo>
+                    <a:pt x="1260205" y="958797"/>
+                  </a:lnTo>
+                  <a:lnTo>
+                    <a:pt x="1323382" y="935246"/>
+                  </a:lnTo>
+                  <a:lnTo>
+                    <a:pt x="1386560" y="911694"/>
+                  </a:lnTo>
+                  <a:lnTo>
+                    <a:pt x="1449737" y="888143"/>
+                  </a:lnTo>
+                  <a:lnTo>
+                    <a:pt x="1512915" y="864591"/>
+                  </a:lnTo>
+                  <a:lnTo>
+                    <a:pt x="1576092" y="841040"/>
+                  </a:lnTo>
+                  <a:lnTo>
+                    <a:pt x="1639270" y="817488"/>
+                  </a:lnTo>
+                  <a:lnTo>
+                    <a:pt x="1702447" y="793936"/>
+                  </a:lnTo>
+                  <a:lnTo>
+                    <a:pt x="1765625" y="770385"/>
+                  </a:lnTo>
+                  <a:lnTo>
+                    <a:pt x="1828803" y="746833"/>
+                  </a:lnTo>
+                  <a:lnTo>
+                    <a:pt x="1891980" y="723282"/>
                   </a:lnTo>
                   <a:close/>
                 </a:path>
@@ -5592,231 +5767,231 @@
           </p:nvSpPr>
           <p:spPr>
             <a:xfrm>
-              <a:off x="2668503" y="2440834"/>
-              <a:ext cx="1940605" cy="1620149"/>
+              <a:off x="2783285" y="2383009"/>
+              <a:ext cx="1825823" cy="1524321"/>
             </a:xfrm>
             <a:custGeom>
               <a:avLst/>
               <a:pathLst>
-                <a:path w="1940605" h="1620149">
+                <a:path w="1825823" h="1524321">
                   <a:moveTo>
-                    <a:pt x="1940605" y="1620149"/>
+                    <a:pt x="1825823" y="1524321"/>
                   </a:moveTo>
                   <a:lnTo>
-                    <a:pt x="1895722" y="1564282"/>
-                  </a:lnTo>
-                  <a:lnTo>
-                    <a:pt x="1850839" y="1508414"/>
-                  </a:lnTo>
-                  <a:lnTo>
-                    <a:pt x="1805956" y="1452547"/>
-                  </a:lnTo>
-                  <a:lnTo>
-                    <a:pt x="1761073" y="1396680"/>
-                  </a:lnTo>
-                  <a:lnTo>
-                    <a:pt x="1716190" y="1340813"/>
-                  </a:lnTo>
-                  <a:lnTo>
-                    <a:pt x="1671307" y="1284946"/>
-                  </a:lnTo>
-                  <a:lnTo>
-                    <a:pt x="1626424" y="1229078"/>
-                  </a:lnTo>
-                  <a:lnTo>
-                    <a:pt x="1581541" y="1173211"/>
-                  </a:lnTo>
-                  <a:lnTo>
-                    <a:pt x="1536658" y="1117344"/>
-                  </a:lnTo>
-                  <a:lnTo>
-                    <a:pt x="1491774" y="1061477"/>
-                  </a:lnTo>
-                  <a:lnTo>
-                    <a:pt x="1446891" y="1005609"/>
-                  </a:lnTo>
-                  <a:lnTo>
-                    <a:pt x="1402008" y="949742"/>
-                  </a:lnTo>
-                  <a:lnTo>
-                    <a:pt x="1357125" y="893875"/>
-                  </a:lnTo>
-                  <a:lnTo>
-                    <a:pt x="1312242" y="838008"/>
-                  </a:lnTo>
-                  <a:lnTo>
-                    <a:pt x="1267359" y="782141"/>
-                  </a:lnTo>
-                  <a:lnTo>
-                    <a:pt x="1222476" y="726273"/>
-                  </a:lnTo>
-                  <a:lnTo>
-                    <a:pt x="1177593" y="670406"/>
-                  </a:lnTo>
-                  <a:lnTo>
-                    <a:pt x="1132710" y="614539"/>
-                  </a:lnTo>
-                  <a:lnTo>
-                    <a:pt x="1087827" y="558672"/>
-                  </a:lnTo>
-                  <a:lnTo>
-                    <a:pt x="1042944" y="502804"/>
-                  </a:lnTo>
-                  <a:lnTo>
-                    <a:pt x="998061" y="446937"/>
-                  </a:lnTo>
-                  <a:lnTo>
-                    <a:pt x="953178" y="391070"/>
-                  </a:lnTo>
-                  <a:lnTo>
-                    <a:pt x="908295" y="335203"/>
-                  </a:lnTo>
-                  <a:lnTo>
-                    <a:pt x="863412" y="279336"/>
-                  </a:lnTo>
-                  <a:lnTo>
-                    <a:pt x="818529" y="223468"/>
-                  </a:lnTo>
-                  <a:lnTo>
-                    <a:pt x="773646" y="167601"/>
-                  </a:lnTo>
-                  <a:lnTo>
-                    <a:pt x="728762" y="111734"/>
-                  </a:lnTo>
-                  <a:lnTo>
-                    <a:pt x="683879" y="55867"/>
-                  </a:lnTo>
-                  <a:lnTo>
-                    <a:pt x="638996" y="0"/>
-                  </a:lnTo>
-                  <a:lnTo>
-                    <a:pt x="582783" y="46812"/>
-                  </a:lnTo>
-                  <a:lnTo>
-                    <a:pt x="528253" y="95573"/>
-                  </a:lnTo>
-                  <a:lnTo>
-                    <a:pt x="475472" y="146224"/>
-                  </a:lnTo>
-                  <a:lnTo>
-                    <a:pt x="424507" y="198701"/>
-                  </a:lnTo>
-                  <a:lnTo>
-                    <a:pt x="375420" y="252939"/>
-                  </a:lnTo>
-                  <a:lnTo>
-                    <a:pt x="328272" y="308871"/>
-                  </a:lnTo>
-                  <a:lnTo>
-                    <a:pt x="283122" y="366427"/>
-                  </a:lnTo>
-                  <a:lnTo>
-                    <a:pt x="240025" y="425537"/>
-                  </a:lnTo>
-                  <a:lnTo>
-                    <a:pt x="199036" y="486127"/>
-                  </a:lnTo>
-                  <a:lnTo>
-                    <a:pt x="160204" y="548122"/>
-                  </a:lnTo>
-                  <a:lnTo>
-                    <a:pt x="123578" y="611445"/>
-                  </a:lnTo>
-                  <a:lnTo>
-                    <a:pt x="89204" y="676018"/>
-                  </a:lnTo>
-                  <a:lnTo>
-                    <a:pt x="57123" y="741761"/>
-                  </a:lnTo>
-                  <a:lnTo>
-                    <a:pt x="27376" y="808592"/>
-                  </a:lnTo>
-                  <a:lnTo>
-                    <a:pt x="0" y="876429"/>
-                  </a:lnTo>
-                  <a:lnTo>
-                    <a:pt x="66917" y="902075"/>
-                  </a:lnTo>
-                  <a:lnTo>
-                    <a:pt x="133834" y="927720"/>
-                  </a:lnTo>
-                  <a:lnTo>
-                    <a:pt x="200752" y="953366"/>
-                  </a:lnTo>
-                  <a:lnTo>
-                    <a:pt x="267669" y="979011"/>
-                  </a:lnTo>
-                  <a:lnTo>
-                    <a:pt x="334587" y="1004657"/>
-                  </a:lnTo>
-                  <a:lnTo>
-                    <a:pt x="401504" y="1030302"/>
-                  </a:lnTo>
-                  <a:lnTo>
-                    <a:pt x="468422" y="1055948"/>
-                  </a:lnTo>
-                  <a:lnTo>
-                    <a:pt x="535339" y="1081593"/>
-                  </a:lnTo>
-                  <a:lnTo>
-                    <a:pt x="602256" y="1107239"/>
-                  </a:lnTo>
-                  <a:lnTo>
-                    <a:pt x="669174" y="1132884"/>
-                  </a:lnTo>
-                  <a:lnTo>
-                    <a:pt x="736091" y="1158530"/>
-                  </a:lnTo>
-                  <a:lnTo>
-                    <a:pt x="803009" y="1184175"/>
-                  </a:lnTo>
-                  <a:lnTo>
-                    <a:pt x="869926" y="1209821"/>
-                  </a:lnTo>
-                  <a:lnTo>
-                    <a:pt x="936844" y="1235466"/>
-                  </a:lnTo>
-                  <a:lnTo>
-                    <a:pt x="1003761" y="1261112"/>
-                  </a:lnTo>
-                  <a:lnTo>
-                    <a:pt x="1070678" y="1286757"/>
-                  </a:lnTo>
-                  <a:lnTo>
-                    <a:pt x="1137596" y="1312403"/>
-                  </a:lnTo>
-                  <a:lnTo>
-                    <a:pt x="1204513" y="1338048"/>
-                  </a:lnTo>
-                  <a:lnTo>
-                    <a:pt x="1271431" y="1363694"/>
-                  </a:lnTo>
-                  <a:lnTo>
-                    <a:pt x="1338348" y="1389339"/>
-                  </a:lnTo>
-                  <a:lnTo>
-                    <a:pt x="1405266" y="1414985"/>
-                  </a:lnTo>
-                  <a:lnTo>
-                    <a:pt x="1472183" y="1440630"/>
-                  </a:lnTo>
-                  <a:lnTo>
-                    <a:pt x="1539100" y="1466276"/>
-                  </a:lnTo>
-                  <a:lnTo>
-                    <a:pt x="1606018" y="1491921"/>
-                  </a:lnTo>
-                  <a:lnTo>
-                    <a:pt x="1672935" y="1517567"/>
-                  </a:lnTo>
-                  <a:lnTo>
-                    <a:pt x="1739853" y="1543212"/>
-                  </a:lnTo>
-                  <a:lnTo>
-                    <a:pt x="1806770" y="1568858"/>
-                  </a:lnTo>
-                  <a:lnTo>
-                    <a:pt x="1873688" y="1594503"/>
+                    <a:pt x="1783595" y="1471758"/>
+                  </a:lnTo>
+                  <a:lnTo>
+                    <a:pt x="1741366" y="1419195"/>
+                  </a:lnTo>
+                  <a:lnTo>
+                    <a:pt x="1699138" y="1366632"/>
+                  </a:lnTo>
+                  <a:lnTo>
+                    <a:pt x="1656910" y="1314070"/>
+                  </a:lnTo>
+                  <a:lnTo>
+                    <a:pt x="1614681" y="1261507"/>
+                  </a:lnTo>
+                  <a:lnTo>
+                    <a:pt x="1572453" y="1208944"/>
+                  </a:lnTo>
+                  <a:lnTo>
+                    <a:pt x="1530225" y="1156381"/>
+                  </a:lnTo>
+                  <a:lnTo>
+                    <a:pt x="1487996" y="1103818"/>
+                  </a:lnTo>
+                  <a:lnTo>
+                    <a:pt x="1445768" y="1051256"/>
+                  </a:lnTo>
+                  <a:lnTo>
+                    <a:pt x="1403540" y="998693"/>
+                  </a:lnTo>
+                  <a:lnTo>
+                    <a:pt x="1361311" y="946130"/>
+                  </a:lnTo>
+                  <a:lnTo>
+                    <a:pt x="1319083" y="893567"/>
+                  </a:lnTo>
+                  <a:lnTo>
+                    <a:pt x="1276855" y="841004"/>
+                  </a:lnTo>
+                  <a:lnTo>
+                    <a:pt x="1234626" y="788442"/>
+                  </a:lnTo>
+                  <a:lnTo>
+                    <a:pt x="1192398" y="735879"/>
+                  </a:lnTo>
+                  <a:lnTo>
+                    <a:pt x="1150170" y="683316"/>
+                  </a:lnTo>
+                  <a:lnTo>
+                    <a:pt x="1107941" y="630753"/>
+                  </a:lnTo>
+                  <a:lnTo>
+                    <a:pt x="1065713" y="578190"/>
+                  </a:lnTo>
+                  <a:lnTo>
+                    <a:pt x="1023485" y="525628"/>
+                  </a:lnTo>
+                  <a:lnTo>
+                    <a:pt x="981256" y="473065"/>
+                  </a:lnTo>
+                  <a:lnTo>
+                    <a:pt x="939028" y="420502"/>
+                  </a:lnTo>
+                  <a:lnTo>
+                    <a:pt x="896800" y="367939"/>
+                  </a:lnTo>
+                  <a:lnTo>
+                    <a:pt x="854571" y="315376"/>
+                  </a:lnTo>
+                  <a:lnTo>
+                    <a:pt x="812343" y="262814"/>
+                  </a:lnTo>
+                  <a:lnTo>
+                    <a:pt x="770115" y="210251"/>
+                  </a:lnTo>
+                  <a:lnTo>
+                    <a:pt x="727886" y="157688"/>
+                  </a:lnTo>
+                  <a:lnTo>
+                    <a:pt x="685658" y="105125"/>
+                  </a:lnTo>
+                  <a:lnTo>
+                    <a:pt x="643430" y="52562"/>
+                  </a:lnTo>
+                  <a:lnTo>
+                    <a:pt x="601201" y="0"/>
+                  </a:lnTo>
+                  <a:lnTo>
+                    <a:pt x="548313" y="44043"/>
+                  </a:lnTo>
+                  <a:lnTo>
+                    <a:pt x="497008" y="89920"/>
+                  </a:lnTo>
+                  <a:lnTo>
+                    <a:pt x="447349" y="137575"/>
+                  </a:lnTo>
+                  <a:lnTo>
+                    <a:pt x="399398" y="186948"/>
+                  </a:lnTo>
+                  <a:lnTo>
+                    <a:pt x="353214" y="237978"/>
+                  </a:lnTo>
+                  <a:lnTo>
+                    <a:pt x="308855" y="290602"/>
+                  </a:lnTo>
+                  <a:lnTo>
+                    <a:pt x="266376" y="344754"/>
+                  </a:lnTo>
+                  <a:lnTo>
+                    <a:pt x="225828" y="400368"/>
+                  </a:lnTo>
+                  <a:lnTo>
+                    <a:pt x="187263" y="457374"/>
+                  </a:lnTo>
+                  <a:lnTo>
+                    <a:pt x="150728" y="515702"/>
+                  </a:lnTo>
+                  <a:lnTo>
+                    <a:pt x="116269" y="575280"/>
+                  </a:lnTo>
+                  <a:lnTo>
+                    <a:pt x="83928" y="636034"/>
+                  </a:lnTo>
+                  <a:lnTo>
+                    <a:pt x="53744" y="697888"/>
+                  </a:lnTo>
+                  <a:lnTo>
+                    <a:pt x="25757" y="760766"/>
+                  </a:lnTo>
+                  <a:lnTo>
+                    <a:pt x="0" y="824590"/>
+                  </a:lnTo>
+                  <a:lnTo>
+                    <a:pt x="62959" y="848719"/>
+                  </a:lnTo>
+                  <a:lnTo>
+                    <a:pt x="125918" y="872848"/>
+                  </a:lnTo>
+                  <a:lnTo>
+                    <a:pt x="188878" y="896976"/>
+                  </a:lnTo>
+                  <a:lnTo>
+                    <a:pt x="251837" y="921105"/>
+                  </a:lnTo>
+                  <a:lnTo>
+                    <a:pt x="314797" y="945234"/>
+                  </a:lnTo>
+                  <a:lnTo>
+                    <a:pt x="377756" y="969362"/>
+                  </a:lnTo>
+                  <a:lnTo>
+                    <a:pt x="440715" y="993491"/>
+                  </a:lnTo>
+                  <a:lnTo>
+                    <a:pt x="503675" y="1017619"/>
+                  </a:lnTo>
+                  <a:lnTo>
+                    <a:pt x="566634" y="1041748"/>
+                  </a:lnTo>
+                  <a:lnTo>
+                    <a:pt x="629594" y="1065877"/>
+                  </a:lnTo>
+                  <a:lnTo>
+                    <a:pt x="692553" y="1090005"/>
+                  </a:lnTo>
+                  <a:lnTo>
+                    <a:pt x="755513" y="1114134"/>
+                  </a:lnTo>
+                  <a:lnTo>
+                    <a:pt x="818472" y="1138263"/>
+                  </a:lnTo>
+                  <a:lnTo>
+                    <a:pt x="881431" y="1162391"/>
+                  </a:lnTo>
+                  <a:lnTo>
+                    <a:pt x="944391" y="1186520"/>
+                  </a:lnTo>
+                  <a:lnTo>
+                    <a:pt x="1007350" y="1210649"/>
+                  </a:lnTo>
+                  <a:lnTo>
+                    <a:pt x="1070310" y="1234777"/>
+                  </a:lnTo>
+                  <a:lnTo>
+                    <a:pt x="1133269" y="1258906"/>
+                  </a:lnTo>
+                  <a:lnTo>
+                    <a:pt x="1196229" y="1283034"/>
+                  </a:lnTo>
+                  <a:lnTo>
+                    <a:pt x="1259188" y="1307163"/>
+                  </a:lnTo>
+                  <a:lnTo>
+                    <a:pt x="1322147" y="1331292"/>
+                  </a:lnTo>
+                  <a:lnTo>
+                    <a:pt x="1385107" y="1355420"/>
+                  </a:lnTo>
+                  <a:lnTo>
+                    <a:pt x="1448066" y="1379549"/>
+                  </a:lnTo>
+                  <a:lnTo>
+                    <a:pt x="1511026" y="1403678"/>
+                  </a:lnTo>
+                  <a:lnTo>
+                    <a:pt x="1573985" y="1427806"/>
+                  </a:lnTo>
+                  <a:lnTo>
+                    <a:pt x="1636945" y="1451935"/>
+                  </a:lnTo>
+                  <a:lnTo>
+                    <a:pt x="1699904" y="1476064"/>
+                  </a:lnTo>
+                  <a:lnTo>
+                    <a:pt x="1762863" y="1500192"/>
                   </a:lnTo>
                   <a:close/>
                 </a:path>
@@ -5851,213 +6026,213 @@
           </p:nvSpPr>
           <p:spPr>
             <a:xfrm>
-              <a:off x="3307499" y="2106600"/>
-              <a:ext cx="1301608" cy="1954383"/>
+              <a:off x="3384486" y="2068544"/>
+              <a:ext cx="1224621" cy="1838786"/>
             </a:xfrm>
             <a:custGeom>
               <a:avLst/>
               <a:pathLst>
-                <a:path w="1301608" h="1954383">
+                <a:path w="1224621" h="1838786">
                   <a:moveTo>
-                    <a:pt x="1301608" y="1954383"/>
+                    <a:pt x="1224621" y="1838786"/>
                   </a:moveTo>
                   <a:lnTo>
-                    <a:pt x="1277239" y="1886991"/>
-                  </a:lnTo>
-                  <a:lnTo>
-                    <a:pt x="1252869" y="1819598"/>
-                  </a:lnTo>
-                  <a:lnTo>
-                    <a:pt x="1228499" y="1752206"/>
-                  </a:lnTo>
-                  <a:lnTo>
-                    <a:pt x="1204130" y="1684813"/>
-                  </a:lnTo>
-                  <a:lnTo>
-                    <a:pt x="1179760" y="1617421"/>
-                  </a:lnTo>
-                  <a:lnTo>
-                    <a:pt x="1155390" y="1550028"/>
-                  </a:lnTo>
-                  <a:lnTo>
-                    <a:pt x="1131021" y="1482636"/>
-                  </a:lnTo>
-                  <a:lnTo>
-                    <a:pt x="1106651" y="1415243"/>
-                  </a:lnTo>
-                  <a:lnTo>
-                    <a:pt x="1082281" y="1347850"/>
-                  </a:lnTo>
-                  <a:lnTo>
-                    <a:pt x="1057912" y="1280458"/>
-                  </a:lnTo>
-                  <a:lnTo>
-                    <a:pt x="1033542" y="1213065"/>
-                  </a:lnTo>
-                  <a:lnTo>
-                    <a:pt x="1009172" y="1145673"/>
-                  </a:lnTo>
-                  <a:lnTo>
-                    <a:pt x="984803" y="1078280"/>
-                  </a:lnTo>
-                  <a:lnTo>
-                    <a:pt x="960433" y="1010888"/>
-                  </a:lnTo>
-                  <a:lnTo>
-                    <a:pt x="936063" y="943495"/>
-                  </a:lnTo>
-                  <a:lnTo>
-                    <a:pt x="911694" y="876103"/>
-                  </a:lnTo>
-                  <a:lnTo>
-                    <a:pt x="887324" y="808710"/>
-                  </a:lnTo>
-                  <a:lnTo>
-                    <a:pt x="862955" y="741318"/>
-                  </a:lnTo>
-                  <a:lnTo>
-                    <a:pt x="838585" y="673925"/>
-                  </a:lnTo>
-                  <a:lnTo>
-                    <a:pt x="814215" y="606532"/>
-                  </a:lnTo>
-                  <a:lnTo>
-                    <a:pt x="789846" y="539140"/>
-                  </a:lnTo>
-                  <a:lnTo>
-                    <a:pt x="765476" y="471747"/>
-                  </a:lnTo>
-                  <a:lnTo>
-                    <a:pt x="741106" y="404355"/>
-                  </a:lnTo>
-                  <a:lnTo>
-                    <a:pt x="716737" y="336962"/>
-                  </a:lnTo>
-                  <a:lnTo>
-                    <a:pt x="692367" y="269570"/>
-                  </a:lnTo>
-                  <a:lnTo>
-                    <a:pt x="667997" y="202177"/>
-                  </a:lnTo>
-                  <a:lnTo>
-                    <a:pt x="643628" y="134785"/>
-                  </a:lnTo>
-                  <a:lnTo>
-                    <a:pt x="619258" y="67392"/>
-                  </a:lnTo>
-                  <a:lnTo>
-                    <a:pt x="594888" y="0"/>
-                  </a:lnTo>
-                  <a:lnTo>
-                    <a:pt x="523756" y="27205"/>
-                  </a:lnTo>
-                  <a:lnTo>
-                    <a:pt x="453668" y="56999"/>
-                  </a:lnTo>
-                  <a:lnTo>
-                    <a:pt x="384719" y="89341"/>
-                  </a:lnTo>
-                  <a:lnTo>
-                    <a:pt x="317001" y="124187"/>
-                  </a:lnTo>
-                  <a:lnTo>
-                    <a:pt x="250606" y="161491"/>
-                  </a:lnTo>
-                  <a:lnTo>
-                    <a:pt x="185622" y="201203"/>
-                  </a:lnTo>
-                  <a:lnTo>
-                    <a:pt x="122136" y="243268"/>
-                  </a:lnTo>
-                  <a:lnTo>
-                    <a:pt x="60234" y="287632"/>
-                  </a:lnTo>
-                  <a:lnTo>
-                    <a:pt x="0" y="334234"/>
-                  </a:lnTo>
-                  <a:lnTo>
-                    <a:pt x="44883" y="390101"/>
-                  </a:lnTo>
-                  <a:lnTo>
-                    <a:pt x="89766" y="445968"/>
-                  </a:lnTo>
-                  <a:lnTo>
-                    <a:pt x="134649" y="501836"/>
-                  </a:lnTo>
-                  <a:lnTo>
-                    <a:pt x="179532" y="557703"/>
-                  </a:lnTo>
-                  <a:lnTo>
-                    <a:pt x="224415" y="613570"/>
-                  </a:lnTo>
-                  <a:lnTo>
-                    <a:pt x="269298" y="669437"/>
-                  </a:lnTo>
-                  <a:lnTo>
-                    <a:pt x="314181" y="725305"/>
-                  </a:lnTo>
-                  <a:lnTo>
-                    <a:pt x="359064" y="781172"/>
-                  </a:lnTo>
-                  <a:lnTo>
-                    <a:pt x="403947" y="837039"/>
-                  </a:lnTo>
-                  <a:lnTo>
-                    <a:pt x="448830" y="892906"/>
-                  </a:lnTo>
-                  <a:lnTo>
-                    <a:pt x="493713" y="948773"/>
-                  </a:lnTo>
-                  <a:lnTo>
-                    <a:pt x="538596" y="1004641"/>
-                  </a:lnTo>
-                  <a:lnTo>
-                    <a:pt x="583479" y="1060508"/>
-                  </a:lnTo>
-                  <a:lnTo>
-                    <a:pt x="628362" y="1116375"/>
-                  </a:lnTo>
-                  <a:lnTo>
-                    <a:pt x="673245" y="1172242"/>
-                  </a:lnTo>
-                  <a:lnTo>
-                    <a:pt x="718128" y="1228110"/>
-                  </a:lnTo>
-                  <a:lnTo>
-                    <a:pt x="763012" y="1283977"/>
-                  </a:lnTo>
-                  <a:lnTo>
-                    <a:pt x="807895" y="1339844"/>
-                  </a:lnTo>
-                  <a:lnTo>
-                    <a:pt x="852778" y="1395711"/>
-                  </a:lnTo>
-                  <a:lnTo>
-                    <a:pt x="897661" y="1451578"/>
-                  </a:lnTo>
-                  <a:lnTo>
-                    <a:pt x="942544" y="1507446"/>
-                  </a:lnTo>
-                  <a:lnTo>
-                    <a:pt x="987427" y="1563313"/>
-                  </a:lnTo>
-                  <a:lnTo>
-                    <a:pt x="1032310" y="1619180"/>
-                  </a:lnTo>
-                  <a:lnTo>
-                    <a:pt x="1077193" y="1675047"/>
-                  </a:lnTo>
-                  <a:lnTo>
-                    <a:pt x="1122076" y="1730914"/>
-                  </a:lnTo>
-                  <a:lnTo>
-                    <a:pt x="1166959" y="1786782"/>
-                  </a:lnTo>
-                  <a:lnTo>
-                    <a:pt x="1211842" y="1842649"/>
-                  </a:lnTo>
-                  <a:lnTo>
-                    <a:pt x="1256725" y="1898516"/>
+                    <a:pt x="1201693" y="1775380"/>
+                  </a:lnTo>
+                  <a:lnTo>
+                    <a:pt x="1178765" y="1711973"/>
+                  </a:lnTo>
+                  <a:lnTo>
+                    <a:pt x="1155836" y="1648567"/>
+                  </a:lnTo>
+                  <a:lnTo>
+                    <a:pt x="1132908" y="1585160"/>
+                  </a:lnTo>
+                  <a:lnTo>
+                    <a:pt x="1109980" y="1521754"/>
+                  </a:lnTo>
+                  <a:lnTo>
+                    <a:pt x="1087052" y="1458348"/>
+                  </a:lnTo>
+                  <a:lnTo>
+                    <a:pt x="1064123" y="1394941"/>
+                  </a:lnTo>
+                  <a:lnTo>
+                    <a:pt x="1041195" y="1331535"/>
+                  </a:lnTo>
+                  <a:lnTo>
+                    <a:pt x="1018267" y="1268128"/>
+                  </a:lnTo>
+                  <a:lnTo>
+                    <a:pt x="995339" y="1204722"/>
+                  </a:lnTo>
+                  <a:lnTo>
+                    <a:pt x="972411" y="1141315"/>
+                  </a:lnTo>
+                  <a:lnTo>
+                    <a:pt x="949482" y="1077909"/>
+                  </a:lnTo>
+                  <a:lnTo>
+                    <a:pt x="926554" y="1014503"/>
+                  </a:lnTo>
+                  <a:lnTo>
+                    <a:pt x="903626" y="951096"/>
+                  </a:lnTo>
+                  <a:lnTo>
+                    <a:pt x="880698" y="887690"/>
+                  </a:lnTo>
+                  <a:lnTo>
+                    <a:pt x="857769" y="824283"/>
+                  </a:lnTo>
+                  <a:lnTo>
+                    <a:pt x="834841" y="760877"/>
+                  </a:lnTo>
+                  <a:lnTo>
+                    <a:pt x="811913" y="697470"/>
+                  </a:lnTo>
+                  <a:lnTo>
+                    <a:pt x="788985" y="634064"/>
+                  </a:lnTo>
+                  <a:lnTo>
+                    <a:pt x="766056" y="570657"/>
+                  </a:lnTo>
+                  <a:lnTo>
+                    <a:pt x="743128" y="507251"/>
+                  </a:lnTo>
+                  <a:lnTo>
+                    <a:pt x="720200" y="443845"/>
+                  </a:lnTo>
+                  <a:lnTo>
+                    <a:pt x="697272" y="380438"/>
+                  </a:lnTo>
+                  <a:lnTo>
+                    <a:pt x="674343" y="317032"/>
+                  </a:lnTo>
+                  <a:lnTo>
+                    <a:pt x="651415" y="253625"/>
+                  </a:lnTo>
+                  <a:lnTo>
+                    <a:pt x="628487" y="190219"/>
+                  </a:lnTo>
+                  <a:lnTo>
+                    <a:pt x="605559" y="126812"/>
+                  </a:lnTo>
+                  <a:lnTo>
+                    <a:pt x="582630" y="63406"/>
+                  </a:lnTo>
+                  <a:lnTo>
+                    <a:pt x="559702" y="0"/>
+                  </a:lnTo>
+                  <a:lnTo>
+                    <a:pt x="492777" y="25596"/>
+                  </a:lnTo>
+                  <a:lnTo>
+                    <a:pt x="426835" y="53628"/>
+                  </a:lnTo>
+                  <a:lnTo>
+                    <a:pt x="361964" y="84056"/>
+                  </a:lnTo>
+                  <a:lnTo>
+                    <a:pt x="298252" y="116842"/>
+                  </a:lnTo>
+                  <a:lnTo>
+                    <a:pt x="235783" y="151939"/>
+                  </a:lnTo>
+                  <a:lnTo>
+                    <a:pt x="174642" y="189302"/>
+                  </a:lnTo>
+                  <a:lnTo>
+                    <a:pt x="114912" y="228880"/>
+                  </a:lnTo>
+                  <a:lnTo>
+                    <a:pt x="56671" y="270619"/>
+                  </a:lnTo>
+                  <a:lnTo>
+                    <a:pt x="0" y="314465"/>
+                  </a:lnTo>
+                  <a:lnTo>
+                    <a:pt x="42228" y="367028"/>
+                  </a:lnTo>
+                  <a:lnTo>
+                    <a:pt x="84456" y="419590"/>
+                  </a:lnTo>
+                  <a:lnTo>
+                    <a:pt x="126685" y="472153"/>
+                  </a:lnTo>
+                  <a:lnTo>
+                    <a:pt x="168913" y="524716"/>
+                  </a:lnTo>
+                  <a:lnTo>
+                    <a:pt x="211141" y="577279"/>
+                  </a:lnTo>
+                  <a:lnTo>
+                    <a:pt x="253370" y="629842"/>
+                  </a:lnTo>
+                  <a:lnTo>
+                    <a:pt x="295598" y="682404"/>
+                  </a:lnTo>
+                  <a:lnTo>
+                    <a:pt x="337826" y="734967"/>
+                  </a:lnTo>
+                  <a:lnTo>
+                    <a:pt x="380055" y="787530"/>
+                  </a:lnTo>
+                  <a:lnTo>
+                    <a:pt x="422283" y="840093"/>
+                  </a:lnTo>
+                  <a:lnTo>
+                    <a:pt x="464511" y="892656"/>
+                  </a:lnTo>
+                  <a:lnTo>
+                    <a:pt x="506740" y="945219"/>
+                  </a:lnTo>
+                  <a:lnTo>
+                    <a:pt x="548968" y="997781"/>
+                  </a:lnTo>
+                  <a:lnTo>
+                    <a:pt x="591196" y="1050344"/>
+                  </a:lnTo>
+                  <a:lnTo>
+                    <a:pt x="633425" y="1102907"/>
+                  </a:lnTo>
+                  <a:lnTo>
+                    <a:pt x="675653" y="1155470"/>
+                  </a:lnTo>
+                  <a:lnTo>
+                    <a:pt x="717881" y="1208033"/>
+                  </a:lnTo>
+                  <a:lnTo>
+                    <a:pt x="760110" y="1260595"/>
+                  </a:lnTo>
+                  <a:lnTo>
+                    <a:pt x="802338" y="1313158"/>
+                  </a:lnTo>
+                  <a:lnTo>
+                    <a:pt x="844566" y="1365721"/>
+                  </a:lnTo>
+                  <a:lnTo>
+                    <a:pt x="886795" y="1418284"/>
+                  </a:lnTo>
+                  <a:lnTo>
+                    <a:pt x="929023" y="1470847"/>
+                  </a:lnTo>
+                  <a:lnTo>
+                    <a:pt x="971251" y="1523409"/>
+                  </a:lnTo>
+                  <a:lnTo>
+                    <a:pt x="1013480" y="1575972"/>
+                  </a:lnTo>
+                  <a:lnTo>
+                    <a:pt x="1055708" y="1628535"/>
+                  </a:lnTo>
+                  <a:lnTo>
+                    <a:pt x="1097936" y="1681098"/>
+                  </a:lnTo>
+                  <a:lnTo>
+                    <a:pt x="1140165" y="1733661"/>
+                  </a:lnTo>
+                  <a:lnTo>
+                    <a:pt x="1182393" y="1786223"/>
                   </a:lnTo>
                   <a:close/>
                 </a:path>
@@ -6092,216 +6267,216 @@
           </p:nvSpPr>
           <p:spPr>
             <a:xfrm>
-              <a:off x="3902388" y="1982747"/>
-              <a:ext cx="706719" cy="2078237"/>
+              <a:off x="3944189" y="1952016"/>
+              <a:ext cx="664919" cy="1955314"/>
             </a:xfrm>
             <a:custGeom>
               <a:avLst/>
               <a:pathLst>
-                <a:path w="706719" h="2078237">
+                <a:path w="664919" h="1955314">
                   <a:moveTo>
-                    <a:pt x="706719" y="2078237"/>
+                    <a:pt x="664919" y="1955314"/>
                   </a:moveTo>
                   <a:lnTo>
-                    <a:pt x="706719" y="2006573"/>
-                  </a:lnTo>
-                  <a:lnTo>
-                    <a:pt x="706719" y="1934910"/>
-                  </a:lnTo>
-                  <a:lnTo>
-                    <a:pt x="706719" y="1863247"/>
-                  </a:lnTo>
-                  <a:lnTo>
-                    <a:pt x="706719" y="1791583"/>
-                  </a:lnTo>
-                  <a:lnTo>
-                    <a:pt x="706719" y="1719920"/>
-                  </a:lnTo>
-                  <a:lnTo>
-                    <a:pt x="706719" y="1648256"/>
-                  </a:lnTo>
-                  <a:lnTo>
-                    <a:pt x="706719" y="1576593"/>
-                  </a:lnTo>
-                  <a:lnTo>
-                    <a:pt x="706719" y="1504930"/>
-                  </a:lnTo>
-                  <a:lnTo>
-                    <a:pt x="706719" y="1433266"/>
-                  </a:lnTo>
-                  <a:lnTo>
-                    <a:pt x="706719" y="1361603"/>
-                  </a:lnTo>
-                  <a:lnTo>
-                    <a:pt x="706719" y="1289940"/>
-                  </a:lnTo>
-                  <a:lnTo>
-                    <a:pt x="706719" y="1218276"/>
-                  </a:lnTo>
-                  <a:lnTo>
-                    <a:pt x="706719" y="1146613"/>
-                  </a:lnTo>
-                  <a:lnTo>
-                    <a:pt x="706719" y="1074950"/>
-                  </a:lnTo>
-                  <a:lnTo>
-                    <a:pt x="706719" y="1003286"/>
-                  </a:lnTo>
-                  <a:lnTo>
-                    <a:pt x="706719" y="931623"/>
-                  </a:lnTo>
-                  <a:lnTo>
-                    <a:pt x="706719" y="859960"/>
-                  </a:lnTo>
-                  <a:lnTo>
-                    <a:pt x="706719" y="788296"/>
-                  </a:lnTo>
-                  <a:lnTo>
-                    <a:pt x="706719" y="716633"/>
-                  </a:lnTo>
-                  <a:lnTo>
-                    <a:pt x="706719" y="644970"/>
-                  </a:lnTo>
-                  <a:lnTo>
-                    <a:pt x="706719" y="573306"/>
-                  </a:lnTo>
-                  <a:lnTo>
-                    <a:pt x="706719" y="501643"/>
-                  </a:lnTo>
-                  <a:lnTo>
-                    <a:pt x="706719" y="429980"/>
-                  </a:lnTo>
-                  <a:lnTo>
-                    <a:pt x="706719" y="358316"/>
-                  </a:lnTo>
-                  <a:lnTo>
-                    <a:pt x="706719" y="286653"/>
-                  </a:lnTo>
-                  <a:lnTo>
-                    <a:pt x="706719" y="214990"/>
-                  </a:lnTo>
-                  <a:lnTo>
-                    <a:pt x="706719" y="143326"/>
-                  </a:lnTo>
-                  <a:lnTo>
-                    <a:pt x="706719" y="71663"/>
-                  </a:lnTo>
-                  <a:lnTo>
-                    <a:pt x="706719" y="0"/>
-                  </a:lnTo>
-                  <a:lnTo>
-                    <a:pt x="634624" y="1250"/>
-                  </a:lnTo>
-                  <a:lnTo>
-                    <a:pt x="562615" y="5002"/>
-                  </a:lnTo>
-                  <a:lnTo>
-                    <a:pt x="490779" y="11249"/>
-                  </a:lnTo>
-                  <a:lnTo>
-                    <a:pt x="419204" y="19984"/>
-                  </a:lnTo>
-                  <a:lnTo>
-                    <a:pt x="347974" y="31197"/>
-                  </a:lnTo>
-                  <a:lnTo>
-                    <a:pt x="277177" y="44874"/>
-                  </a:lnTo>
-                  <a:lnTo>
-                    <a:pt x="206896" y="60999"/>
-                  </a:lnTo>
-                  <a:lnTo>
-                    <a:pt x="137217" y="79553"/>
-                  </a:lnTo>
-                  <a:lnTo>
-                    <a:pt x="68224" y="100512"/>
-                  </a:lnTo>
-                  <a:lnTo>
-                    <a:pt x="0" y="123853"/>
-                  </a:lnTo>
-                  <a:lnTo>
-                    <a:pt x="24369" y="191245"/>
-                  </a:lnTo>
-                  <a:lnTo>
-                    <a:pt x="48739" y="258638"/>
-                  </a:lnTo>
-                  <a:lnTo>
-                    <a:pt x="73108" y="326030"/>
-                  </a:lnTo>
-                  <a:lnTo>
-                    <a:pt x="97478" y="393423"/>
-                  </a:lnTo>
-                  <a:lnTo>
-                    <a:pt x="121848" y="460815"/>
-                  </a:lnTo>
-                  <a:lnTo>
-                    <a:pt x="146217" y="528208"/>
-                  </a:lnTo>
-                  <a:lnTo>
-                    <a:pt x="170587" y="595601"/>
-                  </a:lnTo>
-                  <a:lnTo>
-                    <a:pt x="194957" y="662993"/>
-                  </a:lnTo>
-                  <a:lnTo>
-                    <a:pt x="219326" y="730386"/>
-                  </a:lnTo>
-                  <a:lnTo>
-                    <a:pt x="243696" y="797778"/>
-                  </a:lnTo>
-                  <a:lnTo>
-                    <a:pt x="268066" y="865171"/>
-                  </a:lnTo>
-                  <a:lnTo>
-                    <a:pt x="292435" y="932563"/>
-                  </a:lnTo>
-                  <a:lnTo>
-                    <a:pt x="316805" y="999956"/>
-                  </a:lnTo>
-                  <a:lnTo>
-                    <a:pt x="341175" y="1067348"/>
-                  </a:lnTo>
-                  <a:lnTo>
-                    <a:pt x="365544" y="1134741"/>
-                  </a:lnTo>
-                  <a:lnTo>
-                    <a:pt x="389914" y="1202133"/>
-                  </a:lnTo>
-                  <a:lnTo>
-                    <a:pt x="414284" y="1269526"/>
-                  </a:lnTo>
-                  <a:lnTo>
-                    <a:pt x="438653" y="1336919"/>
-                  </a:lnTo>
-                  <a:lnTo>
-                    <a:pt x="463023" y="1404311"/>
-                  </a:lnTo>
-                  <a:lnTo>
-                    <a:pt x="487393" y="1471704"/>
-                  </a:lnTo>
-                  <a:lnTo>
-                    <a:pt x="511762" y="1539096"/>
-                  </a:lnTo>
-                  <a:lnTo>
-                    <a:pt x="536132" y="1606489"/>
-                  </a:lnTo>
-                  <a:lnTo>
-                    <a:pt x="560501" y="1673881"/>
-                  </a:lnTo>
-                  <a:lnTo>
-                    <a:pt x="584871" y="1741274"/>
-                  </a:lnTo>
-                  <a:lnTo>
-                    <a:pt x="609241" y="1808666"/>
-                  </a:lnTo>
-                  <a:lnTo>
-                    <a:pt x="633610" y="1876059"/>
-                  </a:lnTo>
-                  <a:lnTo>
-                    <a:pt x="657980" y="1943451"/>
-                  </a:lnTo>
-                  <a:lnTo>
-                    <a:pt x="682350" y="2010844"/>
+                    <a:pt x="664919" y="1887889"/>
+                  </a:lnTo>
+                  <a:lnTo>
+                    <a:pt x="664919" y="1820465"/>
+                  </a:lnTo>
+                  <a:lnTo>
+                    <a:pt x="664919" y="1753040"/>
+                  </a:lnTo>
+                  <a:lnTo>
+                    <a:pt x="664919" y="1685615"/>
+                  </a:lnTo>
+                  <a:lnTo>
+                    <a:pt x="664919" y="1618191"/>
+                  </a:lnTo>
+                  <a:lnTo>
+                    <a:pt x="664919" y="1550766"/>
+                  </a:lnTo>
+                  <a:lnTo>
+                    <a:pt x="664919" y="1483341"/>
+                  </a:lnTo>
+                  <a:lnTo>
+                    <a:pt x="664919" y="1415917"/>
+                  </a:lnTo>
+                  <a:lnTo>
+                    <a:pt x="664919" y="1348492"/>
+                  </a:lnTo>
+                  <a:lnTo>
+                    <a:pt x="664919" y="1281067"/>
+                  </a:lnTo>
+                  <a:lnTo>
+                    <a:pt x="664919" y="1213643"/>
+                  </a:lnTo>
+                  <a:lnTo>
+                    <a:pt x="664919" y="1146218"/>
+                  </a:lnTo>
+                  <a:lnTo>
+                    <a:pt x="664919" y="1078794"/>
+                  </a:lnTo>
+                  <a:lnTo>
+                    <a:pt x="664919" y="1011369"/>
+                  </a:lnTo>
+                  <a:lnTo>
+                    <a:pt x="664919" y="943944"/>
+                  </a:lnTo>
+                  <a:lnTo>
+                    <a:pt x="664919" y="876520"/>
+                  </a:lnTo>
+                  <a:lnTo>
+                    <a:pt x="664919" y="809095"/>
+                  </a:lnTo>
+                  <a:lnTo>
+                    <a:pt x="664919" y="741670"/>
+                  </a:lnTo>
+                  <a:lnTo>
+                    <a:pt x="664919" y="674246"/>
+                  </a:lnTo>
+                  <a:lnTo>
+                    <a:pt x="664919" y="606821"/>
+                  </a:lnTo>
+                  <a:lnTo>
+                    <a:pt x="664919" y="539397"/>
+                  </a:lnTo>
+                  <a:lnTo>
+                    <a:pt x="664919" y="471972"/>
+                  </a:lnTo>
+                  <a:lnTo>
+                    <a:pt x="664919" y="404547"/>
+                  </a:lnTo>
+                  <a:lnTo>
+                    <a:pt x="664919" y="337123"/>
+                  </a:lnTo>
+                  <a:lnTo>
+                    <a:pt x="664919" y="269698"/>
+                  </a:lnTo>
+                  <a:lnTo>
+                    <a:pt x="664919" y="202273"/>
+                  </a:lnTo>
+                  <a:lnTo>
+                    <a:pt x="664919" y="134849"/>
+                  </a:lnTo>
+                  <a:lnTo>
+                    <a:pt x="664919" y="67424"/>
+                  </a:lnTo>
+                  <a:lnTo>
+                    <a:pt x="664919" y="0"/>
+                  </a:lnTo>
+                  <a:lnTo>
+                    <a:pt x="597087" y="1176"/>
+                  </a:lnTo>
+                  <a:lnTo>
+                    <a:pt x="529337" y="4706"/>
+                  </a:lnTo>
+                  <a:lnTo>
+                    <a:pt x="461751" y="10583"/>
+                  </a:lnTo>
+                  <a:lnTo>
+                    <a:pt x="394409" y="18802"/>
+                  </a:lnTo>
+                  <a:lnTo>
+                    <a:pt x="327392" y="29352"/>
+                  </a:lnTo>
+                  <a:lnTo>
+                    <a:pt x="260782" y="42220"/>
+                  </a:lnTo>
+                  <a:lnTo>
+                    <a:pt x="194659" y="57391"/>
+                  </a:lnTo>
+                  <a:lnTo>
+                    <a:pt x="129101" y="74847"/>
+                  </a:lnTo>
+                  <a:lnTo>
+                    <a:pt x="64189" y="94567"/>
+                  </a:lnTo>
+                  <a:lnTo>
+                    <a:pt x="0" y="116527"/>
+                  </a:lnTo>
+                  <a:lnTo>
+                    <a:pt x="22928" y="179934"/>
+                  </a:lnTo>
+                  <a:lnTo>
+                    <a:pt x="45856" y="243340"/>
+                  </a:lnTo>
+                  <a:lnTo>
+                    <a:pt x="68784" y="306746"/>
+                  </a:lnTo>
+                  <a:lnTo>
+                    <a:pt x="91712" y="370153"/>
+                  </a:lnTo>
+                  <a:lnTo>
+                    <a:pt x="114641" y="433559"/>
+                  </a:lnTo>
+                  <a:lnTo>
+                    <a:pt x="137569" y="496966"/>
+                  </a:lnTo>
+                  <a:lnTo>
+                    <a:pt x="160497" y="560372"/>
+                  </a:lnTo>
+                  <a:lnTo>
+                    <a:pt x="183425" y="623779"/>
+                  </a:lnTo>
+                  <a:lnTo>
+                    <a:pt x="206354" y="687185"/>
+                  </a:lnTo>
+                  <a:lnTo>
+                    <a:pt x="229282" y="750591"/>
+                  </a:lnTo>
+                  <a:lnTo>
+                    <a:pt x="252210" y="813998"/>
+                  </a:lnTo>
+                  <a:lnTo>
+                    <a:pt x="275138" y="877404"/>
+                  </a:lnTo>
+                  <a:lnTo>
+                    <a:pt x="298067" y="940811"/>
+                  </a:lnTo>
+                  <a:lnTo>
+                    <a:pt x="320995" y="1004217"/>
+                  </a:lnTo>
+                  <a:lnTo>
+                    <a:pt x="343923" y="1067624"/>
+                  </a:lnTo>
+                  <a:lnTo>
+                    <a:pt x="366851" y="1131030"/>
+                  </a:lnTo>
+                  <a:lnTo>
+                    <a:pt x="389780" y="1194437"/>
+                  </a:lnTo>
+                  <a:lnTo>
+                    <a:pt x="412708" y="1257843"/>
+                  </a:lnTo>
+                  <a:lnTo>
+                    <a:pt x="435636" y="1321249"/>
+                  </a:lnTo>
+                  <a:lnTo>
+                    <a:pt x="458564" y="1384656"/>
+                  </a:lnTo>
+                  <a:lnTo>
+                    <a:pt x="481493" y="1448062"/>
+                  </a:lnTo>
+                  <a:lnTo>
+                    <a:pt x="504421" y="1511469"/>
+                  </a:lnTo>
+                  <a:lnTo>
+                    <a:pt x="527349" y="1574875"/>
+                  </a:lnTo>
+                  <a:lnTo>
+                    <a:pt x="550277" y="1638282"/>
+                  </a:lnTo>
+                  <a:lnTo>
+                    <a:pt x="573206" y="1701688"/>
+                  </a:lnTo>
+                  <a:lnTo>
+                    <a:pt x="596134" y="1765094"/>
+                  </a:lnTo>
+                  <a:lnTo>
+                    <a:pt x="619062" y="1828501"/>
+                  </a:lnTo>
+                  <a:lnTo>
+                    <a:pt x="641990" y="1891907"/>
                   </a:lnTo>
                   <a:close/>
                 </a:path>
@@ -6336,7 +6511,7 @@
           </p:nvSpPr>
           <p:spPr>
             <a:xfrm>
-              <a:off x="4539502" y="3411954"/>
+              <a:off x="4532151" y="3291645"/>
               <a:ext cx="387771" cy="167096"/>
             </a:xfrm>
             <a:prstGeom prst="rect">
@@ -6382,7 +6557,7 @@
           </p:nvSpPr>
           <p:spPr>
             <a:xfrm>
-              <a:off x="4743558" y="3551353"/>
+              <a:off x="4711172" y="3422799"/>
               <a:ext cx="826219" cy="167096"/>
             </a:xfrm>
             <a:prstGeom prst="rect">
@@ -6428,7 +6603,7 @@
           </p:nvSpPr>
           <p:spPr>
             <a:xfrm>
-              <a:off x="4852751" y="4446734"/>
+              <a:off x="4813906" y="4265221"/>
               <a:ext cx="826219" cy="167096"/>
             </a:xfrm>
             <a:prstGeom prst="rect">
@@ -6474,7 +6649,7 @@
           </p:nvSpPr>
           <p:spPr>
             <a:xfrm>
-              <a:off x="3725353" y="4770465"/>
+              <a:off x="3753190" y="4569803"/>
               <a:ext cx="826219" cy="167096"/>
             </a:xfrm>
             <a:prstGeom prst="rect">
@@ -6520,7 +6695,7 @@
           </p:nvSpPr>
           <p:spPr>
             <a:xfrm>
-              <a:off x="3156891" y="3970952"/>
+              <a:off x="3218352" y="3817579"/>
               <a:ext cx="826219" cy="167096"/>
             </a:xfrm>
             <a:prstGeom prst="rect">
@@ -6566,7 +6741,7 @@
           </p:nvSpPr>
           <p:spPr>
             <a:xfrm>
-              <a:off x="3263059" y="3295507"/>
+              <a:off x="3318240" y="3182086"/>
               <a:ext cx="826219" cy="167096"/>
             </a:xfrm>
             <a:prstGeom prst="rect">
@@ -6612,7 +6787,7 @@
           </p:nvSpPr>
           <p:spPr>
             <a:xfrm>
-              <a:off x="3573902" y="2868465"/>
+              <a:off x="3610698" y="2780302"/>
               <a:ext cx="826219" cy="167096"/>
             </a:xfrm>
             <a:prstGeom prst="rect">
@@ -6658,7 +6833,7 @@
           </p:nvSpPr>
           <p:spPr>
             <a:xfrm>
-              <a:off x="4058633" y="2495096"/>
+              <a:off x="4072779" y="2422161"/>
               <a:ext cx="622622" cy="166427"/>
             </a:xfrm>
             <a:prstGeom prst="rect">
@@ -6704,7 +6879,7 @@
           </p:nvSpPr>
           <p:spPr>
             <a:xfrm>
-              <a:off x="4242808" y="2727598"/>
+              <a:off x="4256954" y="2654663"/>
               <a:ext cx="254272" cy="167096"/>
             </a:xfrm>
             <a:prstGeom prst="rect">
@@ -6750,7 +6925,7 @@
           </p:nvSpPr>
           <p:spPr>
             <a:xfrm>
-              <a:off x="4443909" y="1632331"/>
+              <a:off x="4443909" y="1616965"/>
               <a:ext cx="330398" cy="172454"/>
             </a:xfrm>
             <a:prstGeom prst="rect">
@@ -6796,7 +6971,7 @@
           </p:nvSpPr>
           <p:spPr>
             <a:xfrm>
-              <a:off x="5754592" y="2078852"/>
+              <a:off x="5673309" y="2037076"/>
               <a:ext cx="457534" cy="172454"/>
             </a:xfrm>
             <a:prstGeom prst="rect">
@@ -6842,7 +7017,7 @@
           </p:nvSpPr>
           <p:spPr>
             <a:xfrm>
-              <a:off x="6354393" y="2717576"/>
+              <a:off x="6237633" y="2638021"/>
               <a:ext cx="457534" cy="172454"/>
             </a:xfrm>
             <a:prstGeom prst="rect">
@@ -6888,7 +7063,7 @@
           </p:nvSpPr>
           <p:spPr>
             <a:xfrm>
-              <a:off x="6676945" y="3532247"/>
+              <a:off x="6541106" y="3404506"/>
               <a:ext cx="457534" cy="172454"/>
             </a:xfrm>
             <a:prstGeom prst="rect">
@@ -6934,7 +7109,7 @@
           </p:nvSpPr>
           <p:spPr>
             <a:xfrm>
-              <a:off x="6644904" y="4551789"/>
+              <a:off x="6510961" y="4363744"/>
               <a:ext cx="457534" cy="172454"/>
             </a:xfrm>
             <a:prstGeom prst="rect">
@@ -6980,7 +7155,7 @@
           </p:nvSpPr>
           <p:spPr>
             <a:xfrm>
-              <a:off x="5980823" y="5674688"/>
+              <a:off x="5886159" y="5420227"/>
               <a:ext cx="457534" cy="172454"/>
             </a:xfrm>
             <a:prstGeom prst="rect">
@@ -7026,7 +7201,7 @@
           </p:nvSpPr>
           <p:spPr>
             <a:xfrm>
-              <a:off x="4673372" y="6289928"/>
+              <a:off x="4656040" y="5999077"/>
               <a:ext cx="457534" cy="172454"/>
             </a:xfrm>
             <a:prstGeom prst="rect">
@@ -7072,7 +7247,7 @@
           </p:nvSpPr>
           <p:spPr>
             <a:xfrm>
-              <a:off x="3006089" y="5861843"/>
+              <a:off x="3087373" y="5596312"/>
               <a:ext cx="457534" cy="172454"/>
             </a:xfrm>
             <a:prstGeom prst="rect">
@@ -7118,7 +7293,7 @@
           </p:nvSpPr>
           <p:spPr>
             <a:xfrm>
-              <a:off x="2083737" y="4408448"/>
+              <a:off x="2219575" y="4228882"/>
               <a:ext cx="457534" cy="172454"/>
             </a:xfrm>
             <a:prstGeom prst="rect">
@@ -7164,7 +7339,7 @@
           </p:nvSpPr>
           <p:spPr>
             <a:xfrm>
-              <a:off x="2264840" y="2974868"/>
+              <a:off x="2389967" y="2880095"/>
               <a:ext cx="457534" cy="172454"/>
             </a:xfrm>
             <a:prstGeom prst="rect">
@@ -7210,7 +7385,7 @@
           </p:nvSpPr>
           <p:spPr>
             <a:xfrm>
-              <a:off x="2779858" y="2266007"/>
+              <a:off x="2874523" y="2213161"/>
               <a:ext cx="457534" cy="172454"/>
             </a:xfrm>
             <a:prstGeom prst="rect">
@@ -7244,6 +7419,52 @@
                   <a:cs typeface="Arial"/>
                 </a:rPr>
                 <a:t>88%</a:t>
+              </a:r>
+            </a:p>
+          </p:txBody>
+        </p:sp>
+        <p:sp>
+          <p:nvSpPr>
+            <p:cNvPr id="36" name="tx34"/>
+            <p:cNvSpPr/>
+            <p:nvPr/>
+          </p:nvSpPr>
+          <p:spPr>
+            <a:xfrm>
+              <a:off x="2108029" y="6665094"/>
+              <a:ext cx="2094457" cy="117580"/>
+            </a:xfrm>
+            <a:prstGeom prst="rect">
+              <a:avLst/>
+            </a:prstGeom>
+            <a:noFill/>
+          </p:spPr>
+          <p:txBody>
+            <a:bodyPr lIns="0" rIns="0" tIns="0" bIns="0" anchorCtr="1" anchor="ctr" wrap="none"/>
+            <a:lstStyle/>
+            <a:p>
+              <a:pPr algn="l" marL="0" marR="0" indent="0">
+                <a:lnSpc>
+                  <a:spcPts val="999"/>
+                </a:lnSpc>
+                <a:spcBef>
+                  <a:spcPts val="0"/>
+                </a:spcBef>
+                <a:spcAft>
+                  <a:spcPts val="0"/>
+                </a:spcAft>
+              </a:pPr>
+              <a:r>
+                <a:rPr sz="999" i="1">
+                  <a:solidFill>
+                    <a:srgbClr val="000000">
+                      <a:alpha val="100000"/>
+                    </a:srgbClr>
+                  </a:solidFill>
+                  <a:latin typeface="Arial"/>
+                  <a:cs typeface="Arial"/>
+                </a:rPr>
+                <a:t>Source: ATO 2017-18 2% sample file</a:t>
               </a:r>
             </a:p>
           </p:txBody>
